--- a/HollowayBidwellLightbody.pptx
+++ b/HollowayBidwellLightbody.pptx
@@ -5,11 +5,17 @@
     <p:sldMasterId id="2147483817" r:id="rId1"/>
   </p:sldMasterIdLst>
   <p:notesMasterIdLst>
-    <p:notesMasterId r:id="rId4"/>
+    <p:notesMasterId r:id="rId10"/>
   </p:notesMasterIdLst>
   <p:sldIdLst>
     <p:sldId id="256" r:id="rId2"/>
     <p:sldId id="257" r:id="rId3"/>
+    <p:sldId id="261" r:id="rId4"/>
+    <p:sldId id="258" r:id="rId5"/>
+    <p:sldId id="259" r:id="rId6"/>
+    <p:sldId id="260" r:id="rId7"/>
+    <p:sldId id="262" r:id="rId8"/>
+    <p:sldId id="263" r:id="rId9"/>
   </p:sldIdLst>
   <p:sldSz cx="9144000" cy="6858000" type="screen4x3"/>
   <p:notesSz cx="6858000" cy="9144000"/>
@@ -4560,14 +4566,14 @@
           <a:p>
             <a:r>
               <a:rPr lang="en-US" dirty="0" smtClean="0">
-                <a:latin typeface="Apple Symbols"/>
-                <a:cs typeface="Apple Symbols"/>
+                <a:latin typeface="Palatino Linotype"/>
+                <a:cs typeface="Palatino Linotype"/>
               </a:rPr>
               <a:t>Applications</a:t>
             </a:r>
             <a:endParaRPr lang="en-US" dirty="0">
-              <a:latin typeface="Apple Symbols"/>
-              <a:cs typeface="Apple Symbols"/>
+              <a:latin typeface="Palatino Linotype"/>
+              <a:cs typeface="Palatino Linotype"/>
             </a:endParaRPr>
           </a:p>
         </p:txBody>
@@ -4650,6 +4656,686 @@
     <p:extLst>
       <p:ext uri="{BB962C8B-B14F-4D97-AF65-F5344CB8AC3E}">
         <p14:creationId xmlns:p14="http://schemas.microsoft.com/office/powerpoint/2010/main" val="131421768"/>
+      </p:ext>
+    </p:extLst>
+  </p:cSld>
+  <p:clrMapOvr>
+    <a:masterClrMapping/>
+  </p:clrMapOvr>
+</p:sld>
+</file>
+
+<file path=ppt/slides/slide3.xml><?xml version="1.0" encoding="utf-8"?>
+<p:sld xmlns:a="http://schemas.openxmlformats.org/drawingml/2006/main" xmlns:r="http://schemas.openxmlformats.org/officeDocument/2006/relationships" xmlns:p="http://schemas.openxmlformats.org/presentationml/2006/main">
+  <p:cSld>
+    <p:spTree>
+      <p:nvGrpSpPr>
+        <p:cNvPr id="1" name=""/>
+        <p:cNvGrpSpPr/>
+        <p:nvPr/>
+      </p:nvGrpSpPr>
+      <p:grpSpPr>
+        <a:xfrm>
+          <a:off x="0" y="0"/>
+          <a:ext cx="0" cy="0"/>
+          <a:chOff x="0" y="0"/>
+          <a:chExt cx="0" cy="0"/>
+        </a:xfrm>
+      </p:grpSpPr>
+      <p:sp>
+        <p:nvSpPr>
+          <p:cNvPr id="2" name="Content Placeholder 1"/>
+          <p:cNvSpPr>
+            <a:spLocks noGrp="1"/>
+          </p:cNvSpPr>
+          <p:nvPr>
+            <p:ph idx="1"/>
+          </p:nvPr>
+        </p:nvSpPr>
+        <p:spPr>
+          <a:xfrm>
+            <a:off x="838200" y="1600201"/>
+            <a:ext cx="7467600" cy="2819399"/>
+          </a:xfrm>
+        </p:spPr>
+        <p:txBody>
+          <a:bodyPr/>
+          <a:lstStyle/>
+          <a:p>
+            <a:pPr marL="18288" indent="0">
+              <a:buNone/>
+            </a:pPr>
+            <a:r>
+              <a:rPr lang="en-US" dirty="0" smtClean="0">
+                <a:latin typeface="Apple Symbols"/>
+                <a:cs typeface="Apple Symbols"/>
+              </a:rPr>
+              <a:t>Similarity to multilayer network PS6 but with more variance </a:t>
+            </a:r>
+          </a:p>
+          <a:p>
+            <a:pPr marL="18288" indent="0">
+              <a:buNone/>
+            </a:pPr>
+            <a:r>
+              <a:rPr lang="en-US" dirty="0" smtClean="0">
+                <a:latin typeface="Apple Symbols"/>
+                <a:cs typeface="Apple Symbols"/>
+              </a:rPr>
+              <a:t>Pittman paper</a:t>
+            </a:r>
+          </a:p>
+          <a:p>
+            <a:pPr marL="18288" indent="0">
+              <a:buNone/>
+            </a:pPr>
+            <a:r>
+              <a:rPr lang="en-US" dirty="0" err="1" smtClean="0">
+                <a:latin typeface="Apple Symbols"/>
+                <a:cs typeface="Apple Symbols"/>
+              </a:rPr>
+              <a:t>NETTalk</a:t>
+            </a:r>
+            <a:endParaRPr lang="en-US" dirty="0">
+              <a:latin typeface="Apple Symbols"/>
+              <a:cs typeface="Apple Symbols"/>
+            </a:endParaRPr>
+          </a:p>
+        </p:txBody>
+      </p:sp>
+      <p:sp>
+        <p:nvSpPr>
+          <p:cNvPr id="3" name="Title 2"/>
+          <p:cNvSpPr>
+            <a:spLocks noGrp="1"/>
+          </p:cNvSpPr>
+          <p:nvPr>
+            <p:ph type="title"/>
+          </p:nvPr>
+        </p:nvSpPr>
+        <p:spPr>
+          <a:xfrm>
+            <a:off x="838200" y="609600"/>
+            <a:ext cx="7543800" cy="914400"/>
+          </a:xfrm>
+        </p:spPr>
+        <p:txBody>
+          <a:bodyPr/>
+          <a:lstStyle/>
+          <a:p>
+            <a:r>
+              <a:rPr lang="en-US" dirty="0" smtClean="0">
+                <a:latin typeface="Palatino Linotype"/>
+                <a:cs typeface="Palatino Linotype"/>
+              </a:rPr>
+              <a:t>Background</a:t>
+            </a:r>
+            <a:endParaRPr lang="en-US" dirty="0">
+              <a:latin typeface="Palatino Linotype"/>
+              <a:cs typeface="Palatino Linotype"/>
+            </a:endParaRPr>
+          </a:p>
+        </p:txBody>
+      </p:sp>
+    </p:spTree>
+    <p:extLst>
+      <p:ext uri="{BB962C8B-B14F-4D97-AF65-F5344CB8AC3E}">
+        <p14:creationId xmlns:p14="http://schemas.microsoft.com/office/powerpoint/2010/main" val="711855774"/>
+      </p:ext>
+    </p:extLst>
+  </p:cSld>
+  <p:clrMapOvr>
+    <a:masterClrMapping/>
+  </p:clrMapOvr>
+</p:sld>
+</file>
+
+<file path=ppt/slides/slide4.xml><?xml version="1.0" encoding="utf-8"?>
+<p:sld xmlns:a="http://schemas.openxmlformats.org/drawingml/2006/main" xmlns:r="http://schemas.openxmlformats.org/officeDocument/2006/relationships" xmlns:p="http://schemas.openxmlformats.org/presentationml/2006/main">
+  <p:cSld>
+    <p:spTree>
+      <p:nvGrpSpPr>
+        <p:cNvPr id="1" name=""/>
+        <p:cNvGrpSpPr/>
+        <p:nvPr/>
+      </p:nvGrpSpPr>
+      <p:grpSpPr>
+        <a:xfrm>
+          <a:off x="0" y="0"/>
+          <a:ext cx="0" cy="0"/>
+          <a:chOff x="0" y="0"/>
+          <a:chExt cx="0" cy="0"/>
+        </a:xfrm>
+      </p:grpSpPr>
+      <p:sp>
+        <p:nvSpPr>
+          <p:cNvPr id="3" name="Title 2"/>
+          <p:cNvSpPr>
+            <a:spLocks noGrp="1"/>
+          </p:cNvSpPr>
+          <p:nvPr>
+            <p:ph type="title"/>
+          </p:nvPr>
+        </p:nvSpPr>
+        <p:spPr>
+          <a:xfrm>
+            <a:off x="685800" y="457200"/>
+            <a:ext cx="7543800" cy="914400"/>
+          </a:xfrm>
+        </p:spPr>
+        <p:txBody>
+          <a:bodyPr/>
+          <a:lstStyle/>
+          <a:p>
+            <a:r>
+              <a:rPr lang="en-US" dirty="0" smtClean="0"/>
+              <a:t>Neural Network</a:t>
+            </a:r>
+            <a:endParaRPr lang="en-US" dirty="0"/>
+          </a:p>
+        </p:txBody>
+      </p:sp>
+      <p:sp>
+        <p:nvSpPr>
+          <p:cNvPr id="6" name="TextBox 5"/>
+          <p:cNvSpPr txBox="1"/>
+          <p:nvPr/>
+        </p:nvSpPr>
+        <p:spPr>
+          <a:xfrm>
+            <a:off x="762000" y="1752600"/>
+            <a:ext cx="7467600" cy="1569660"/>
+          </a:xfrm>
+          <a:prstGeom prst="rect">
+            <a:avLst/>
+          </a:prstGeom>
+          <a:noFill/>
+        </p:spPr>
+        <p:txBody>
+          <a:bodyPr wrap="square" rtlCol="0">
+            <a:spAutoFit/>
+          </a:bodyPr>
+          <a:lstStyle/>
+          <a:p>
+            <a:r>
+              <a:rPr lang="en-US" dirty="0" smtClean="0"/>
+              <a:t>Three Different Networks</a:t>
+            </a:r>
+          </a:p>
+          <a:p>
+            <a:pPr marL="457200" indent="-457200">
+              <a:buFont typeface="Wingdings" charset="2"/>
+              <a:buAutoNum type="arabicPlain"/>
+            </a:pPr>
+            <a:r>
+              <a:rPr lang="en-US" dirty="0" smtClean="0"/>
+              <a:t>Pixel Values Only</a:t>
+            </a:r>
+          </a:p>
+          <a:p>
+            <a:pPr marL="457200" indent="-457200">
+              <a:buFont typeface="Wingdings" charset="2"/>
+              <a:buAutoNum type="arabicPlain"/>
+            </a:pPr>
+            <a:r>
+              <a:rPr lang="en-US" dirty="0" smtClean="0"/>
+              <a:t>Context Only</a:t>
+            </a:r>
+          </a:p>
+          <a:p>
+            <a:pPr marL="457200" indent="-457200">
+              <a:buFont typeface="Wingdings" charset="2"/>
+              <a:buAutoNum type="arabicPlain"/>
+            </a:pPr>
+            <a:r>
+              <a:rPr lang="en-US" dirty="0" smtClean="0"/>
+              <a:t>Combined</a:t>
+            </a:r>
+            <a:endParaRPr lang="en-US" dirty="0"/>
+          </a:p>
+        </p:txBody>
+      </p:sp>
+    </p:spTree>
+    <p:extLst>
+      <p:ext uri="{BB962C8B-B14F-4D97-AF65-F5344CB8AC3E}">
+        <p14:creationId xmlns:p14="http://schemas.microsoft.com/office/powerpoint/2010/main" val="1116335242"/>
+      </p:ext>
+    </p:extLst>
+  </p:cSld>
+  <p:clrMapOvr>
+    <a:masterClrMapping/>
+  </p:clrMapOvr>
+</p:sld>
+</file>
+
+<file path=ppt/slides/slide5.xml><?xml version="1.0" encoding="utf-8"?>
+<p:sld xmlns:a="http://schemas.openxmlformats.org/drawingml/2006/main" xmlns:r="http://schemas.openxmlformats.org/officeDocument/2006/relationships" xmlns:p="http://schemas.openxmlformats.org/presentationml/2006/main">
+  <p:cSld>
+    <p:spTree>
+      <p:nvGrpSpPr>
+        <p:cNvPr id="1" name=""/>
+        <p:cNvGrpSpPr/>
+        <p:nvPr/>
+      </p:nvGrpSpPr>
+      <p:grpSpPr>
+        <a:xfrm>
+          <a:off x="0" y="0"/>
+          <a:ext cx="0" cy="0"/>
+          <a:chOff x="0" y="0"/>
+          <a:chExt cx="0" cy="0"/>
+        </a:xfrm>
+      </p:grpSpPr>
+      <p:sp>
+        <p:nvSpPr>
+          <p:cNvPr id="3" name="Title 2"/>
+          <p:cNvSpPr>
+            <a:spLocks noGrp="1"/>
+          </p:cNvSpPr>
+          <p:nvPr>
+            <p:ph type="title"/>
+          </p:nvPr>
+        </p:nvSpPr>
+        <p:spPr>
+          <a:xfrm>
+            <a:off x="685800" y="457200"/>
+            <a:ext cx="7543800" cy="914400"/>
+          </a:xfrm>
+        </p:spPr>
+        <p:txBody>
+          <a:bodyPr/>
+          <a:lstStyle/>
+          <a:p>
+            <a:r>
+              <a:rPr lang="en-US" dirty="0" smtClean="0"/>
+              <a:t>Pixel Values Only</a:t>
+            </a:r>
+            <a:endParaRPr lang="en-US" dirty="0"/>
+          </a:p>
+        </p:txBody>
+      </p:sp>
+      <p:sp>
+        <p:nvSpPr>
+          <p:cNvPr id="6" name="TextBox 5"/>
+          <p:cNvSpPr txBox="1"/>
+          <p:nvPr/>
+        </p:nvSpPr>
+        <p:spPr>
+          <a:xfrm>
+            <a:off x="762000" y="1752600"/>
+            <a:ext cx="7467600" cy="3416320"/>
+          </a:xfrm>
+          <a:prstGeom prst="rect">
+            <a:avLst/>
+          </a:prstGeom>
+          <a:noFill/>
+        </p:spPr>
+        <p:txBody>
+          <a:bodyPr wrap="square" rtlCol="0">
+            <a:spAutoFit/>
+          </a:bodyPr>
+          <a:lstStyle/>
+          <a:p>
+            <a:r>
+              <a:rPr lang="en-US" dirty="0" smtClean="0"/>
+              <a:t>Tan Activation Function =</a:t>
+            </a:r>
+          </a:p>
+          <a:p>
+            <a:endParaRPr lang="en-US" dirty="0"/>
+          </a:p>
+          <a:p>
+            <a:endParaRPr lang="en-US" dirty="0" smtClean="0"/>
+          </a:p>
+          <a:p>
+            <a:r>
+              <a:rPr lang="en-US" dirty="0" err="1" smtClean="0"/>
+              <a:t>dTan</a:t>
+            </a:r>
+            <a:r>
+              <a:rPr lang="en-US" dirty="0" smtClean="0"/>
+              <a:t> = </a:t>
+            </a:r>
+          </a:p>
+          <a:p>
+            <a:endParaRPr lang="en-US" dirty="0"/>
+          </a:p>
+          <a:p>
+            <a:endParaRPr lang="en-US" dirty="0"/>
+          </a:p>
+          <a:p>
+            <a:r>
+              <a:rPr lang="en-US" dirty="0"/>
+              <a:t>Pixel </a:t>
+            </a:r>
+            <a:r>
+              <a:rPr lang="en-US" dirty="0" smtClean="0"/>
+              <a:t>values average of pixel + pixel below</a:t>
+            </a:r>
+          </a:p>
+          <a:p>
+            <a:r>
+              <a:rPr lang="en-US" dirty="0" smtClean="0"/>
+              <a:t>Trained on 17,384 examples</a:t>
+            </a:r>
+          </a:p>
+          <a:p>
+            <a:r>
+              <a:rPr lang="en-US" dirty="0" smtClean="0"/>
+              <a:t>12% Correct </a:t>
+            </a:r>
+          </a:p>
+        </p:txBody>
+      </p:sp>
+      <p:pic>
+        <p:nvPicPr>
+          <p:cNvPr id="5" name="Picture 4" descr="latex-image-1.pdf"/>
+          <p:cNvPicPr>
+            <a:picLocks noChangeAspect="1"/>
+          </p:cNvPicPr>
+          <p:nvPr/>
+        </p:nvPicPr>
+        <p:blipFill>
+          <a:blip r:embed="rId2">
+            <a:extLst>
+              <a:ext uri="{28A0092B-C50C-407E-A947-70E740481C1C}">
+                <a14:useLocalDpi xmlns:a14="http://schemas.microsoft.com/office/drawing/2010/main" val="0"/>
+              </a:ext>
+            </a:extLst>
+          </a:blip>
+          <a:stretch>
+            <a:fillRect/>
+          </a:stretch>
+        </p:blipFill>
+        <p:spPr>
+          <a:xfrm>
+            <a:off x="4724400" y="1447800"/>
+            <a:ext cx="1600200" cy="1092200"/>
+          </a:xfrm>
+          <a:prstGeom prst="rect">
+            <a:avLst/>
+          </a:prstGeom>
+        </p:spPr>
+      </p:pic>
+      <p:pic>
+        <p:nvPicPr>
+          <p:cNvPr id="7" name="Picture 6" descr="latex-image-1.pdf"/>
+          <p:cNvPicPr>
+            <a:picLocks noChangeAspect="1"/>
+          </p:cNvPicPr>
+          <p:nvPr/>
+        </p:nvPicPr>
+        <p:blipFill>
+          <a:blip r:embed="rId3">
+            <a:extLst>
+              <a:ext uri="{28A0092B-C50C-407E-A947-70E740481C1C}">
+                <a14:useLocalDpi xmlns:a14="http://schemas.microsoft.com/office/drawing/2010/main" val="0"/>
+              </a:ext>
+            </a:extLst>
+          </a:blip>
+          <a:stretch>
+            <a:fillRect/>
+          </a:stretch>
+        </p:blipFill>
+        <p:spPr>
+          <a:xfrm>
+            <a:off x="2209800" y="2514600"/>
+            <a:ext cx="2971800" cy="1193800"/>
+          </a:xfrm>
+          <a:prstGeom prst="rect">
+            <a:avLst/>
+          </a:prstGeom>
+        </p:spPr>
+      </p:pic>
+    </p:spTree>
+    <p:extLst>
+      <p:ext uri="{BB962C8B-B14F-4D97-AF65-F5344CB8AC3E}">
+        <p14:creationId xmlns:p14="http://schemas.microsoft.com/office/powerpoint/2010/main" val="1117137990"/>
+      </p:ext>
+    </p:extLst>
+  </p:cSld>
+  <p:clrMapOvr>
+    <a:masterClrMapping/>
+  </p:clrMapOvr>
+</p:sld>
+</file>
+
+<file path=ppt/slides/slide6.xml><?xml version="1.0" encoding="utf-8"?>
+<p:sld xmlns:a="http://schemas.openxmlformats.org/drawingml/2006/main" xmlns:r="http://schemas.openxmlformats.org/officeDocument/2006/relationships" xmlns:p="http://schemas.openxmlformats.org/presentationml/2006/main">
+  <p:cSld>
+    <p:spTree>
+      <p:nvGrpSpPr>
+        <p:cNvPr id="1" name=""/>
+        <p:cNvGrpSpPr/>
+        <p:nvPr/>
+      </p:nvGrpSpPr>
+      <p:grpSpPr>
+        <a:xfrm>
+          <a:off x="0" y="0"/>
+          <a:ext cx="0" cy="0"/>
+          <a:chOff x="0" y="0"/>
+          <a:chExt cx="0" cy="0"/>
+        </a:xfrm>
+      </p:grpSpPr>
+      <p:sp>
+        <p:nvSpPr>
+          <p:cNvPr id="3" name="Title 2"/>
+          <p:cNvSpPr>
+            <a:spLocks noGrp="1"/>
+          </p:cNvSpPr>
+          <p:nvPr>
+            <p:ph type="title"/>
+          </p:nvPr>
+        </p:nvSpPr>
+        <p:spPr>
+          <a:xfrm>
+            <a:off x="685800" y="457200"/>
+            <a:ext cx="7543800" cy="914400"/>
+          </a:xfrm>
+        </p:spPr>
+        <p:txBody>
+          <a:bodyPr/>
+          <a:lstStyle/>
+          <a:p>
+            <a:r>
+              <a:rPr lang="en-US" dirty="0" smtClean="0"/>
+              <a:t>Context Only</a:t>
+            </a:r>
+            <a:endParaRPr lang="en-US" dirty="0"/>
+          </a:p>
+        </p:txBody>
+      </p:sp>
+      <p:sp>
+        <p:nvSpPr>
+          <p:cNvPr id="6" name="TextBox 5"/>
+          <p:cNvSpPr txBox="1"/>
+          <p:nvPr/>
+        </p:nvSpPr>
+        <p:spPr>
+          <a:xfrm>
+            <a:off x="762000" y="1752600"/>
+            <a:ext cx="7467600" cy="1200328"/>
+          </a:xfrm>
+          <a:prstGeom prst="rect">
+            <a:avLst/>
+          </a:prstGeom>
+          <a:noFill/>
+        </p:spPr>
+        <p:txBody>
+          <a:bodyPr wrap="square" rtlCol="0">
+            <a:spAutoFit/>
+          </a:bodyPr>
+          <a:lstStyle/>
+          <a:p>
+            <a:r>
+              <a:rPr lang="en-US" dirty="0" smtClean="0"/>
+              <a:t>Input was previous and following 2 characters </a:t>
+            </a:r>
+          </a:p>
+          <a:p>
+            <a:endParaRPr lang="en-US" dirty="0" smtClean="0"/>
+          </a:p>
+          <a:p>
+            <a:r>
+              <a:rPr lang="en-US" dirty="0" smtClean="0"/>
+              <a:t>7% Correct  </a:t>
+            </a:r>
+            <a:endParaRPr lang="en-US" dirty="0"/>
+          </a:p>
+        </p:txBody>
+      </p:sp>
+    </p:spTree>
+    <p:extLst>
+      <p:ext uri="{BB962C8B-B14F-4D97-AF65-F5344CB8AC3E}">
+        <p14:creationId xmlns:p14="http://schemas.microsoft.com/office/powerpoint/2010/main" val="1165135190"/>
+      </p:ext>
+    </p:extLst>
+  </p:cSld>
+  <p:clrMapOvr>
+    <a:masterClrMapping/>
+  </p:clrMapOvr>
+</p:sld>
+</file>
+
+<file path=ppt/slides/slide7.xml><?xml version="1.0" encoding="utf-8"?>
+<p:sld xmlns:a="http://schemas.openxmlformats.org/drawingml/2006/main" xmlns:r="http://schemas.openxmlformats.org/officeDocument/2006/relationships" xmlns:p="http://schemas.openxmlformats.org/presentationml/2006/main">
+  <p:cSld>
+    <p:spTree>
+      <p:nvGrpSpPr>
+        <p:cNvPr id="1" name=""/>
+        <p:cNvGrpSpPr/>
+        <p:nvPr/>
+      </p:nvGrpSpPr>
+      <p:grpSpPr>
+        <a:xfrm>
+          <a:off x="0" y="0"/>
+          <a:ext cx="0" cy="0"/>
+          <a:chOff x="0" y="0"/>
+          <a:chExt cx="0" cy="0"/>
+        </a:xfrm>
+      </p:grpSpPr>
+      <p:sp>
+        <p:nvSpPr>
+          <p:cNvPr id="3" name="Title 2"/>
+          <p:cNvSpPr>
+            <a:spLocks noGrp="1"/>
+          </p:cNvSpPr>
+          <p:nvPr>
+            <p:ph type="title"/>
+          </p:nvPr>
+        </p:nvSpPr>
+        <p:spPr>
+          <a:xfrm>
+            <a:off x="685800" y="457200"/>
+            <a:ext cx="7543800" cy="914400"/>
+          </a:xfrm>
+        </p:spPr>
+        <p:txBody>
+          <a:bodyPr/>
+          <a:lstStyle/>
+          <a:p>
+            <a:r>
+              <a:rPr lang="en-US" dirty="0" smtClean="0"/>
+              <a:t>Combined</a:t>
+            </a:r>
+            <a:endParaRPr lang="en-US" dirty="0"/>
+          </a:p>
+        </p:txBody>
+      </p:sp>
+      <p:pic>
+        <p:nvPicPr>
+          <p:cNvPr id="4" name="Picture 3" descr="Accounts:hollowaya:Desktop:Screen Shot 2016-05-24 at 11.57.46 AM.png"/>
+          <p:cNvPicPr/>
+          <p:nvPr/>
+        </p:nvPicPr>
+        <p:blipFill>
+          <a:blip r:embed="rId2">
+            <a:extLst>
+              <a:ext uri="{28A0092B-C50C-407E-A947-70E740481C1C}">
+                <a14:useLocalDpi xmlns:a14="http://schemas.microsoft.com/office/drawing/2010/main" val="0"/>
+              </a:ext>
+            </a:extLst>
+          </a:blip>
+          <a:srcRect/>
+          <a:stretch>
+            <a:fillRect/>
+          </a:stretch>
+        </p:blipFill>
+        <p:spPr bwMode="auto">
+          <a:xfrm>
+            <a:off x="762000" y="1524000"/>
+            <a:ext cx="4102100" cy="2781300"/>
+          </a:xfrm>
+          <a:prstGeom prst="rect">
+            <a:avLst/>
+          </a:prstGeom>
+          <a:noFill/>
+          <a:ln>
+            <a:noFill/>
+          </a:ln>
+        </p:spPr>
+      </p:pic>
+    </p:spTree>
+    <p:extLst>
+      <p:ext uri="{BB962C8B-B14F-4D97-AF65-F5344CB8AC3E}">
+        <p14:creationId xmlns:p14="http://schemas.microsoft.com/office/powerpoint/2010/main" val="1416998080"/>
+      </p:ext>
+    </p:extLst>
+  </p:cSld>
+  <p:clrMapOvr>
+    <a:masterClrMapping/>
+  </p:clrMapOvr>
+</p:sld>
+</file>
+
+<file path=ppt/slides/slide8.xml><?xml version="1.0" encoding="utf-8"?>
+<p:sld xmlns:a="http://schemas.openxmlformats.org/drawingml/2006/main" xmlns:r="http://schemas.openxmlformats.org/officeDocument/2006/relationships" xmlns:p="http://schemas.openxmlformats.org/presentationml/2006/main">
+  <p:cSld>
+    <p:spTree>
+      <p:nvGrpSpPr>
+        <p:cNvPr id="1" name=""/>
+        <p:cNvGrpSpPr/>
+        <p:nvPr/>
+      </p:nvGrpSpPr>
+      <p:grpSpPr>
+        <a:xfrm>
+          <a:off x="0" y="0"/>
+          <a:ext cx="0" cy="0"/>
+          <a:chOff x="0" y="0"/>
+          <a:chExt cx="0" cy="0"/>
+        </a:xfrm>
+      </p:grpSpPr>
+      <p:sp>
+        <p:nvSpPr>
+          <p:cNvPr id="3" name="Title 2"/>
+          <p:cNvSpPr>
+            <a:spLocks noGrp="1"/>
+          </p:cNvSpPr>
+          <p:nvPr>
+            <p:ph type="title"/>
+          </p:nvPr>
+        </p:nvSpPr>
+        <p:spPr>
+          <a:xfrm>
+            <a:off x="685800" y="457200"/>
+            <a:ext cx="7543800" cy="914400"/>
+          </a:xfrm>
+        </p:spPr>
+        <p:txBody>
+          <a:bodyPr/>
+          <a:lstStyle/>
+          <a:p>
+            <a:r>
+              <a:rPr lang="en-US" dirty="0" smtClean="0"/>
+              <a:t>Conclusions</a:t>
+            </a:r>
+            <a:endParaRPr lang="en-US" dirty="0"/>
+          </a:p>
+        </p:txBody>
+      </p:sp>
+    </p:spTree>
+    <p:extLst>
+      <p:ext uri="{BB962C8B-B14F-4D97-AF65-F5344CB8AC3E}">
+        <p14:creationId xmlns:p14="http://schemas.microsoft.com/office/powerpoint/2010/main" val="1090184330"/>
       </p:ext>
     </p:extLst>
   </p:cSld>

--- a/HollowayBidwellLightbody.pptx
+++ b/HollowayBidwellLightbody.pptx
@@ -5,7 +5,7 @@
     <p:sldMasterId id="2147483817" r:id="rId1"/>
   </p:sldMasterIdLst>
   <p:notesMasterIdLst>
-    <p:notesMasterId r:id="rId10"/>
+    <p:notesMasterId r:id="rId11"/>
   </p:notesMasterIdLst>
   <p:sldIdLst>
     <p:sldId id="256" r:id="rId2"/>
@@ -16,6 +16,7 @@
     <p:sldId id="260" r:id="rId7"/>
     <p:sldId id="262" r:id="rId8"/>
     <p:sldId id="263" r:id="rId9"/>
+    <p:sldId id="264" r:id="rId10"/>
   </p:sldIdLst>
   <p:sldSz cx="9144000" cy="6858000" type="screen4x3"/>
   <p:notesSz cx="6858000" cy="9144000"/>
@@ -4438,50 +4439,6 @@
       </p:grpSpPr>
       <p:sp>
         <p:nvSpPr>
-          <p:cNvPr id="6" name="Snip Diagonal Corner Rectangle 5"/>
-          <p:cNvSpPr/>
-          <p:nvPr/>
-        </p:nvSpPr>
-        <p:spPr>
-          <a:xfrm flipH="1">
-            <a:off x="5791200" y="1143000"/>
-            <a:ext cx="1066800" cy="1447800"/>
-          </a:xfrm>
-          <a:prstGeom prst="snip2DiagRect">
-            <a:avLst>
-              <a:gd name="adj1" fmla="val 0"/>
-              <a:gd name="adj2" fmla="val 34762"/>
-            </a:avLst>
-          </a:prstGeom>
-          <a:solidFill>
-            <a:schemeClr val="tx1"/>
-          </a:solidFill>
-        </p:spPr>
-        <p:style>
-          <a:lnRef idx="1">
-            <a:schemeClr val="accent1"/>
-          </a:lnRef>
-          <a:fillRef idx="3">
-            <a:schemeClr val="accent1"/>
-          </a:fillRef>
-          <a:effectRef idx="2">
-            <a:schemeClr val="accent1"/>
-          </a:effectRef>
-          <a:fontRef idx="minor">
-            <a:schemeClr val="lt1"/>
-          </a:fontRef>
-        </p:style>
-        <p:txBody>
-          <a:bodyPr rtlCol="0" anchor="ctr"/>
-          <a:lstStyle/>
-          <a:p>
-            <a:pPr algn="ctr"/>
-            <a:endParaRPr lang="en-US"/>
-          </a:p>
-        </p:txBody>
-      </p:sp>
-      <p:sp>
-        <p:nvSpPr>
           <p:cNvPr id="2" name="Content Placeholder 1"/>
           <p:cNvSpPr>
             <a:spLocks noGrp="1"/>
@@ -4497,7 +4454,9 @@
           </a:xfrm>
         </p:spPr>
         <p:txBody>
-          <a:bodyPr/>
+          <a:bodyPr>
+            <a:normAutofit/>
+          </a:bodyPr>
           <a:lstStyle/>
           <a:p>
             <a:pPr>
@@ -4505,7 +4464,7 @@
               <a:buChar char="&gt;"/>
             </a:pPr>
             <a:r>
-              <a:rPr lang="en-US" dirty="0" smtClean="0">
+              <a:rPr lang="en-US" sz="2400" dirty="0" smtClean="0">
                 <a:latin typeface="Apple Symbols"/>
                 <a:cs typeface="Apple Symbols"/>
               </a:rPr>
@@ -4518,7 +4477,7 @@
               <a:buChar char="&gt;"/>
             </a:pPr>
             <a:r>
-              <a:rPr lang="en-US" dirty="0" smtClean="0">
+              <a:rPr lang="en-US" sz="2400" dirty="0" smtClean="0">
                 <a:latin typeface="Apple Symbols"/>
                 <a:cs typeface="Apple Symbols"/>
               </a:rPr>
@@ -4531,13 +4490,13 @@
               <a:buChar char="&gt;"/>
             </a:pPr>
             <a:r>
-              <a:rPr lang="en-US" dirty="0" smtClean="0">
+              <a:rPr lang="en-US" sz="2400" dirty="0" smtClean="0">
                 <a:latin typeface="Apple Symbols"/>
                 <a:cs typeface="Apple Symbols"/>
               </a:rPr>
               <a:t>Natural language processing</a:t>
             </a:r>
-            <a:endParaRPr lang="en-US" dirty="0">
+            <a:endParaRPr lang="en-US" sz="2400" dirty="0">
               <a:latin typeface="Apple Symbols"/>
               <a:cs typeface="Apple Symbols"/>
             </a:endParaRPr>
@@ -4566,65 +4525,21 @@
           <a:p>
             <a:r>
               <a:rPr lang="en-US" dirty="0" smtClean="0">
-                <a:latin typeface="Palatino Linotype"/>
-                <a:cs typeface="Palatino Linotype"/>
+                <a:latin typeface="Apple Symbols"/>
+                <a:cs typeface="Apple Symbols"/>
               </a:rPr>
               <a:t>Applications</a:t>
             </a:r>
             <a:endParaRPr lang="en-US" dirty="0">
-              <a:latin typeface="Palatino Linotype"/>
-              <a:cs typeface="Palatino Linotype"/>
+              <a:latin typeface="Apple Symbols"/>
+              <a:cs typeface="Apple Symbols"/>
             </a:endParaRPr>
-          </a:p>
-        </p:txBody>
-      </p:sp>
-      <p:sp>
-        <p:nvSpPr>
-          <p:cNvPr id="7" name="Up Arrow 6"/>
-          <p:cNvSpPr/>
-          <p:nvPr/>
-        </p:nvSpPr>
-        <p:spPr>
-          <a:xfrm>
-            <a:off x="6477000" y="1981200"/>
-            <a:ext cx="533400" cy="685800"/>
-          </a:xfrm>
-          <a:prstGeom prst="upArrow">
-            <a:avLst>
-              <a:gd name="adj1" fmla="val 60159"/>
-              <a:gd name="adj2" fmla="val 52117"/>
-            </a:avLst>
-          </a:prstGeom>
-          <a:solidFill>
-            <a:srgbClr val="CCFFCC"/>
-          </a:solidFill>
-        </p:spPr>
-        <p:style>
-          <a:lnRef idx="1">
-            <a:schemeClr val="accent1"/>
-          </a:lnRef>
-          <a:fillRef idx="3">
-            <a:schemeClr val="accent1"/>
-          </a:fillRef>
-          <a:effectRef idx="2">
-            <a:schemeClr val="accent1"/>
-          </a:effectRef>
-          <a:fontRef idx="minor">
-            <a:schemeClr val="lt1"/>
-          </a:fontRef>
-        </p:style>
-        <p:txBody>
-          <a:bodyPr rtlCol="0" anchor="ctr"/>
-          <a:lstStyle/>
-          <a:p>
-            <a:pPr algn="ctr"/>
-            <a:endParaRPr lang="en-US"/>
           </a:p>
         </p:txBody>
       </p:sp>
       <p:pic>
         <p:nvPicPr>
-          <p:cNvPr id="5" name="Picture 4" descr="arrow_upload_file-512.png"/>
+          <p:cNvPr id="4" name="Picture 3" descr="belfiore_qa_figure2_full.png"/>
           <p:cNvPicPr>
             <a:picLocks noChangeAspect="1"/>
           </p:cNvPicPr>
@@ -4644,14 +4559,174 @@
         </p:blipFill>
         <p:spPr>
           <a:xfrm>
-            <a:off x="5486400" y="1066800"/>
-            <a:ext cx="1701800" cy="1701800"/>
+            <a:off x="3276600" y="3657600"/>
+            <a:ext cx="1402556" cy="2362200"/>
           </a:xfrm>
           <a:prstGeom prst="rect">
             <a:avLst/>
           </a:prstGeom>
         </p:spPr>
       </p:pic>
+      <p:sp>
+        <p:nvSpPr>
+          <p:cNvPr id="8" name="Up Arrow 7"/>
+          <p:cNvSpPr/>
+          <p:nvPr/>
+        </p:nvSpPr>
+        <p:spPr>
+          <a:xfrm>
+            <a:off x="4267200" y="5257800"/>
+            <a:ext cx="762000" cy="914400"/>
+          </a:xfrm>
+          <a:prstGeom prst="upArrow">
+            <a:avLst/>
+          </a:prstGeom>
+          <a:solidFill>
+            <a:srgbClr val="008000"/>
+          </a:solidFill>
+          <a:scene3d>
+            <a:camera prst="perspectiveContrastingRightFacing"/>
+            <a:lightRig rig="glow" dir="tl">
+              <a:rot lat="0" lon="0" rev="19800000"/>
+            </a:lightRig>
+          </a:scene3d>
+          <a:sp3d prstMaterial="metal">
+            <a:bevelT w="38100" h="38100"/>
+          </a:sp3d>
+        </p:spPr>
+        <p:style>
+          <a:lnRef idx="1">
+            <a:schemeClr val="accent1"/>
+          </a:lnRef>
+          <a:fillRef idx="3">
+            <a:schemeClr val="accent1"/>
+          </a:fillRef>
+          <a:effectRef idx="2">
+            <a:schemeClr val="accent1"/>
+          </a:effectRef>
+          <a:fontRef idx="minor">
+            <a:schemeClr val="lt1"/>
+          </a:fontRef>
+        </p:style>
+        <p:txBody>
+          <a:bodyPr rtlCol="0" anchor="ctr"/>
+          <a:lstStyle/>
+          <a:p>
+            <a:pPr algn="ctr"/>
+            <a:endParaRPr lang="en-US"/>
+          </a:p>
+        </p:txBody>
+      </p:sp>
+      <p:pic>
+        <p:nvPicPr>
+          <p:cNvPr id="9" name="Picture 8" descr="067337-vibrant-pattern-icon-people-things-speech.png"/>
+          <p:cNvPicPr>
+            <a:picLocks noChangeAspect="1"/>
+          </p:cNvPicPr>
+          <p:nvPr/>
+        </p:nvPicPr>
+        <p:blipFill>
+          <a:blip r:embed="rId3">
+            <a:extLst>
+              <a:ext uri="{28A0092B-C50C-407E-A947-70E740481C1C}">
+                <a14:useLocalDpi xmlns:a14="http://schemas.microsoft.com/office/drawing/2010/main" val="0"/>
+              </a:ext>
+            </a:extLst>
+          </a:blip>
+          <a:stretch>
+            <a:fillRect/>
+          </a:stretch>
+        </p:blipFill>
+        <p:spPr>
+          <a:xfrm>
+            <a:off x="304800" y="3505200"/>
+            <a:ext cx="2743200" cy="2743200"/>
+          </a:xfrm>
+          <a:prstGeom prst="rect">
+            <a:avLst/>
+          </a:prstGeom>
+        </p:spPr>
+      </p:pic>
+      <p:pic>
+        <p:nvPicPr>
+          <p:cNvPr id="10" name="Picture 9" descr="handwriting.png"/>
+          <p:cNvPicPr>
+            <a:picLocks noChangeAspect="1"/>
+          </p:cNvPicPr>
+          <p:nvPr/>
+        </p:nvPicPr>
+        <p:blipFill>
+          <a:blip r:embed="rId4">
+            <a:extLst>
+              <a:ext uri="{28A0092B-C50C-407E-A947-70E740481C1C}">
+                <a14:useLocalDpi xmlns:a14="http://schemas.microsoft.com/office/drawing/2010/main" val="0"/>
+              </a:ext>
+            </a:extLst>
+          </a:blip>
+          <a:stretch>
+            <a:fillRect/>
+          </a:stretch>
+        </p:blipFill>
+        <p:spPr>
+          <a:xfrm>
+            <a:off x="5638800" y="3657600"/>
+            <a:ext cx="2396019" cy="2209800"/>
+          </a:xfrm>
+          <a:prstGeom prst="rect">
+            <a:avLst/>
+          </a:prstGeom>
+        </p:spPr>
+      </p:pic>
+      <p:sp>
+        <p:nvSpPr>
+          <p:cNvPr id="11" name="Up Arrow 10"/>
+          <p:cNvSpPr/>
+          <p:nvPr/>
+        </p:nvSpPr>
+        <p:spPr>
+          <a:xfrm>
+            <a:off x="7620000" y="5257800"/>
+            <a:ext cx="762000" cy="914400"/>
+          </a:xfrm>
+          <a:prstGeom prst="upArrow">
+            <a:avLst/>
+          </a:prstGeom>
+          <a:solidFill>
+            <a:srgbClr val="008000"/>
+          </a:solidFill>
+          <a:scene3d>
+            <a:camera prst="perspectiveContrastingRightFacing"/>
+            <a:lightRig rig="glow" dir="tl">
+              <a:rot lat="0" lon="0" rev="19800000"/>
+            </a:lightRig>
+          </a:scene3d>
+          <a:sp3d prstMaterial="metal">
+            <a:bevelT w="38100" h="38100"/>
+          </a:sp3d>
+        </p:spPr>
+        <p:style>
+          <a:lnRef idx="1">
+            <a:schemeClr val="accent1"/>
+          </a:lnRef>
+          <a:fillRef idx="3">
+            <a:schemeClr val="accent1"/>
+          </a:fillRef>
+          <a:effectRef idx="2">
+            <a:schemeClr val="accent1"/>
+          </a:effectRef>
+          <a:fontRef idx="minor">
+            <a:schemeClr val="lt1"/>
+          </a:fontRef>
+        </p:style>
+        <p:txBody>
+          <a:bodyPr rtlCol="0" anchor="ctr"/>
+          <a:lstStyle/>
+          <a:p>
+            <a:pPr algn="ctr"/>
+            <a:endParaRPr lang="en-US"/>
+          </a:p>
+        </p:txBody>
+      </p:sp>
     </p:spTree>
     <p:extLst>
       <p:ext uri="{BB962C8B-B14F-4D97-AF65-F5344CB8AC3E}">
@@ -4694,47 +4769,153 @@
         </p:nvSpPr>
         <p:spPr>
           <a:xfrm>
-            <a:off x="838200" y="1600201"/>
-            <a:ext cx="7467600" cy="2819399"/>
-          </a:xfrm>
-        </p:spPr>
-        <p:txBody>
-          <a:bodyPr/>
+            <a:off x="838200" y="1143000"/>
+            <a:ext cx="7467600" cy="3657599"/>
+          </a:xfrm>
+        </p:spPr>
+        <p:txBody>
+          <a:bodyPr>
+            <a:normAutofit/>
+          </a:bodyPr>
           <a:lstStyle/>
           <a:p>
             <a:pPr marL="18288" indent="0">
               <a:buNone/>
+            </a:pPr>
+            <a:r>
+              <a:rPr lang="en-US" sz="2800" dirty="0" smtClean="0">
+                <a:latin typeface="Apple Symbols"/>
+                <a:cs typeface="Apple Symbols"/>
+              </a:rPr>
+              <a:t>Simple character recognition using pixel values and NNs</a:t>
+            </a:r>
+          </a:p>
+          <a:p>
+            <a:pPr>
+              <a:buFont typeface="Lucida Grande"/>
+              <a:buChar char="&gt;"/>
             </a:pPr>
             <a:r>
               <a:rPr lang="en-US" dirty="0" smtClean="0">
                 <a:latin typeface="Apple Symbols"/>
                 <a:cs typeface="Apple Symbols"/>
               </a:rPr>
-              <a:t>Similarity to multilayer network PS6 but with more variance </a:t>
-            </a:r>
-          </a:p>
-          <a:p>
-            <a:pPr marL="18288" indent="0">
-              <a:buNone/>
+              <a:t>We did this in assignment 6</a:t>
+            </a:r>
+          </a:p>
+          <a:p>
+            <a:pPr>
+              <a:buFont typeface="Lucida Grande"/>
+              <a:buChar char="&gt;"/>
             </a:pPr>
             <a:r>
               <a:rPr lang="en-US" dirty="0" smtClean="0">
                 <a:latin typeface="Apple Symbols"/>
                 <a:cs typeface="Apple Symbols"/>
               </a:rPr>
-              <a:t>Pittman paper</a:t>
-            </a:r>
+              <a:t>Can perform well on identifying digits…how about </a:t>
+            </a:r>
+            <a:r>
+              <a:rPr lang="en-US" dirty="0">
+                <a:latin typeface="Apple Symbols"/>
+                <a:cs typeface="Apple Symbols"/>
+              </a:rPr>
+              <a:t>E</a:t>
+            </a:r>
+            <a:r>
+              <a:rPr lang="en-US" dirty="0" smtClean="0">
+                <a:latin typeface="Apple Symbols"/>
+                <a:cs typeface="Apple Symbols"/>
+              </a:rPr>
+              <a:t>nglish characters?</a:t>
+            </a:r>
+            <a:endParaRPr lang="en-US" dirty="0" smtClean="0">
+              <a:latin typeface="Apple Symbols"/>
+              <a:cs typeface="Apple Symbols"/>
+            </a:endParaRPr>
           </a:p>
           <a:p>
             <a:pPr marL="18288" indent="0">
               <a:buNone/>
             </a:pPr>
             <a:r>
-              <a:rPr lang="en-US" dirty="0" err="1" smtClean="0">
+              <a:rPr lang="en-US" sz="2800" dirty="0" err="1" smtClean="0">
                 <a:latin typeface="Apple Symbols"/>
                 <a:cs typeface="Apple Symbols"/>
               </a:rPr>
-              <a:t>NETTalk</a:t>
+              <a:t>NETtalk</a:t>
+            </a:r>
+            <a:r>
+              <a:rPr lang="en-US" sz="2800" dirty="0" smtClean="0">
+                <a:latin typeface="Apple Symbols"/>
+                <a:cs typeface="Apple Symbols"/>
+              </a:rPr>
+              <a:t> (</a:t>
+            </a:r>
+            <a:r>
+              <a:rPr lang="en-US" sz="2800" dirty="0" err="1" smtClean="0">
+                <a:latin typeface="Apple Symbols"/>
+                <a:cs typeface="Apple Symbols"/>
+              </a:rPr>
+              <a:t>Sejnowski</a:t>
+            </a:r>
+            <a:r>
+              <a:rPr lang="en-US" sz="2800" dirty="0" smtClean="0">
+                <a:latin typeface="Apple Symbols"/>
+                <a:cs typeface="Apple Symbols"/>
+              </a:rPr>
+              <a:t> and Rosenberg, 1986)</a:t>
+            </a:r>
+          </a:p>
+          <a:p>
+            <a:pPr>
+              <a:buFont typeface="Lucida Grande"/>
+              <a:buChar char="&gt;"/>
+            </a:pPr>
+            <a:r>
+              <a:rPr lang="en-US" dirty="0" smtClean="0">
+                <a:latin typeface="Apple Symbols"/>
+                <a:cs typeface="Apple Symbols"/>
+              </a:rPr>
+              <a:t>Speech generation program</a:t>
+            </a:r>
+          </a:p>
+          <a:p>
+            <a:pPr>
+              <a:buFont typeface="Lucida Grande"/>
+              <a:buChar char="&gt;"/>
+            </a:pPr>
+            <a:r>
+              <a:rPr lang="en-US" dirty="0" smtClean="0">
+                <a:latin typeface="Apple Symbols"/>
+                <a:cs typeface="Apple Symbols"/>
+              </a:rPr>
+              <a:t>Trained on informal continuous human speech (learns context)</a:t>
+            </a:r>
+          </a:p>
+          <a:p>
+            <a:pPr marL="18288" indent="0">
+              <a:buNone/>
+            </a:pPr>
+            <a:r>
+              <a:rPr lang="en-US" sz="2800" dirty="0" smtClean="0">
+                <a:latin typeface="Apple Symbols"/>
+                <a:cs typeface="Apple Symbols"/>
+              </a:rPr>
+              <a:t>Pittman, 1991</a:t>
+            </a:r>
+          </a:p>
+          <a:p>
+            <a:pPr>
+              <a:buFont typeface="Lucida Grande"/>
+              <a:buChar char="&gt;"/>
+            </a:pPr>
+            <a:r>
+              <a:rPr lang="en-US" dirty="0" smtClean="0">
+                <a:latin typeface="Apple Symbols"/>
+                <a:cs typeface="Apple Symbols"/>
+              </a:rPr>
+              <a:t>Experimented with 3 approaches to character recognition NNs</a:t>
             </a:r>
             <a:endParaRPr lang="en-US" dirty="0">
               <a:latin typeface="Apple Symbols"/>
@@ -4755,7 +4936,7 @@
         </p:nvSpPr>
         <p:spPr>
           <a:xfrm>
-            <a:off x="838200" y="609600"/>
+            <a:off x="838200" y="381000"/>
             <a:ext cx="7543800" cy="914400"/>
           </a:xfrm>
         </p:spPr>
@@ -4765,15 +4946,198 @@
           <a:p>
             <a:r>
               <a:rPr lang="en-US" dirty="0" smtClean="0">
-                <a:latin typeface="Palatino Linotype"/>
-                <a:cs typeface="Palatino Linotype"/>
+                <a:latin typeface="Apple Symbols"/>
+                <a:cs typeface="Apple Symbols"/>
               </a:rPr>
               <a:t>Background</a:t>
             </a:r>
             <a:endParaRPr lang="en-US" dirty="0">
-              <a:latin typeface="Palatino Linotype"/>
-              <a:cs typeface="Palatino Linotype"/>
+              <a:latin typeface="Apple Symbols"/>
+              <a:cs typeface="Apple Symbols"/>
             </a:endParaRPr>
+          </a:p>
+        </p:txBody>
+      </p:sp>
+      <p:pic>
+        <p:nvPicPr>
+          <p:cNvPr id="4" name="Picture 3" descr="UTH4637.jpg"/>
+          <p:cNvPicPr>
+            <a:picLocks noChangeAspect="1"/>
+          </p:cNvPicPr>
+          <p:nvPr/>
+        </p:nvPicPr>
+        <p:blipFill>
+          <a:blip r:embed="rId2">
+            <a:extLst>
+              <a:ext uri="{28A0092B-C50C-407E-A947-70E740481C1C}">
+                <a14:useLocalDpi xmlns:a14="http://schemas.microsoft.com/office/drawing/2010/main" val="0"/>
+              </a:ext>
+            </a:extLst>
+          </a:blip>
+          <a:stretch>
+            <a:fillRect/>
+          </a:stretch>
+        </p:blipFill>
+        <p:spPr>
+          <a:xfrm>
+            <a:off x="1524000" y="5410200"/>
+            <a:ext cx="947238" cy="1143000"/>
+          </a:xfrm>
+          <a:prstGeom prst="rect">
+            <a:avLst/>
+          </a:prstGeom>
+        </p:spPr>
+      </p:pic>
+      <p:pic>
+        <p:nvPicPr>
+          <p:cNvPr id="5" name="Picture 4" descr="Screen Shot 2016-05-26 at 3.33.27 PM.png"/>
+          <p:cNvPicPr>
+            <a:picLocks noChangeAspect="1"/>
+          </p:cNvPicPr>
+          <p:nvPr/>
+        </p:nvPicPr>
+        <p:blipFill>
+          <a:blip r:embed="rId3">
+            <a:extLst>
+              <a:ext uri="{28A0092B-C50C-407E-A947-70E740481C1C}">
+                <a14:useLocalDpi xmlns:a14="http://schemas.microsoft.com/office/drawing/2010/main" val="0"/>
+              </a:ext>
+            </a:extLst>
+          </a:blip>
+          <a:stretch>
+            <a:fillRect/>
+          </a:stretch>
+        </p:blipFill>
+        <p:spPr>
+          <a:xfrm>
+            <a:off x="3276600" y="5410200"/>
+            <a:ext cx="2055443" cy="950642"/>
+          </a:xfrm>
+          <a:prstGeom prst="rect">
+            <a:avLst/>
+          </a:prstGeom>
+        </p:spPr>
+      </p:pic>
+      <p:pic>
+        <p:nvPicPr>
+          <p:cNvPr id="6" name="Picture 5" descr="Screen Shot 2016-05-24 at 11.57.46 AM.png"/>
+          <p:cNvPicPr>
+            <a:picLocks noChangeAspect="1"/>
+          </p:cNvPicPr>
+          <p:nvPr/>
+        </p:nvPicPr>
+        <p:blipFill>
+          <a:blip r:embed="rId4">
+            <a:extLst>
+              <a:ext uri="{28A0092B-C50C-407E-A947-70E740481C1C}">
+                <a14:useLocalDpi xmlns:a14="http://schemas.microsoft.com/office/drawing/2010/main" val="0"/>
+              </a:ext>
+            </a:extLst>
+          </a:blip>
+          <a:stretch>
+            <a:fillRect/>
+          </a:stretch>
+        </p:blipFill>
+        <p:spPr>
+          <a:xfrm>
+            <a:off x="6019800" y="5410200"/>
+            <a:ext cx="1850914" cy="1254954"/>
+          </a:xfrm>
+          <a:prstGeom prst="rect">
+            <a:avLst/>
+          </a:prstGeom>
+        </p:spPr>
+      </p:pic>
+      <p:sp>
+        <p:nvSpPr>
+          <p:cNvPr id="7" name="TextBox 6"/>
+          <p:cNvSpPr txBox="1"/>
+          <p:nvPr/>
+        </p:nvSpPr>
+        <p:spPr>
+          <a:xfrm>
+            <a:off x="1143000" y="4953000"/>
+            <a:ext cx="1676400" cy="369332"/>
+          </a:xfrm>
+          <a:prstGeom prst="rect">
+            <a:avLst/>
+          </a:prstGeom>
+          <a:noFill/>
+        </p:spPr>
+        <p:txBody>
+          <a:bodyPr wrap="square" rtlCol="0">
+            <a:spAutoFit/>
+          </a:bodyPr>
+          <a:lstStyle/>
+          <a:p>
+            <a:pPr algn="ctr"/>
+            <a:r>
+              <a:rPr lang="en-US" sz="1800" dirty="0" smtClean="0"/>
+              <a:t>Image input</a:t>
+            </a:r>
+            <a:endParaRPr lang="en-US" sz="1800" dirty="0"/>
+          </a:p>
+        </p:txBody>
+      </p:sp>
+      <p:sp>
+        <p:nvSpPr>
+          <p:cNvPr id="8" name="TextBox 7"/>
+          <p:cNvSpPr txBox="1"/>
+          <p:nvPr/>
+        </p:nvSpPr>
+        <p:spPr>
+          <a:xfrm>
+            <a:off x="3429000" y="4953000"/>
+            <a:ext cx="1676400" cy="369332"/>
+          </a:xfrm>
+          <a:prstGeom prst="rect">
+            <a:avLst/>
+          </a:prstGeom>
+          <a:noFill/>
+        </p:spPr>
+        <p:txBody>
+          <a:bodyPr wrap="square" rtlCol="0">
+            <a:spAutoFit/>
+          </a:bodyPr>
+          <a:lstStyle/>
+          <a:p>
+            <a:pPr algn="ctr"/>
+            <a:r>
+              <a:rPr lang="en-US" sz="1800" dirty="0" smtClean="0"/>
+              <a:t>Stroke input</a:t>
+            </a:r>
+            <a:endParaRPr lang="en-US" sz="1800" dirty="0"/>
+          </a:p>
+        </p:txBody>
+      </p:sp>
+      <p:sp>
+        <p:nvSpPr>
+          <p:cNvPr id="9" name="TextBox 8"/>
+          <p:cNvSpPr txBox="1"/>
+          <p:nvPr/>
+        </p:nvSpPr>
+        <p:spPr>
+          <a:xfrm>
+            <a:off x="6096000" y="4953000"/>
+            <a:ext cx="1676400" cy="369332"/>
+          </a:xfrm>
+          <a:prstGeom prst="rect">
+            <a:avLst/>
+          </a:prstGeom>
+          <a:noFill/>
+        </p:spPr>
+        <p:txBody>
+          <a:bodyPr wrap="square" rtlCol="0">
+            <a:spAutoFit/>
+          </a:bodyPr>
+          <a:lstStyle/>
+          <a:p>
+            <a:pPr algn="ctr"/>
+            <a:r>
+              <a:rPr lang="en-US" sz="1800" dirty="0" smtClean="0"/>
+              <a:t>Context</a:t>
+            </a:r>
+            <a:endParaRPr lang="en-US" sz="1800" dirty="0"/>
           </a:p>
         </p:txBody>
       </p:sp>
@@ -4828,10 +5192,23 @@
           <a:lstStyle/>
           <a:p>
             <a:r>
-              <a:rPr lang="en-US" dirty="0" smtClean="0"/>
-              <a:t>Neural Network</a:t>
-            </a:r>
-            <a:endParaRPr lang="en-US" dirty="0"/>
+              <a:rPr lang="en-US" dirty="0" smtClean="0">
+                <a:latin typeface="Apple Symbols"/>
+                <a:cs typeface="Apple Symbols"/>
+              </a:rPr>
+              <a:t>Neural </a:t>
+            </a:r>
+            <a:r>
+              <a:rPr lang="en-US" dirty="0" smtClean="0">
+                <a:latin typeface="Apple Symbols"/>
+                <a:cs typeface="Apple Symbols"/>
+              </a:rPr>
+              <a:t>Networks</a:t>
+            </a:r>
+            <a:endParaRPr lang="en-US" dirty="0">
+              <a:latin typeface="Apple Symbols"/>
+              <a:cs typeface="Apple Symbols"/>
+            </a:endParaRPr>
           </a:p>
         </p:txBody>
       </p:sp>
@@ -4843,8 +5220,8 @@
         </p:nvSpPr>
         <p:spPr>
           <a:xfrm>
-            <a:off x="762000" y="1752600"/>
-            <a:ext cx="7467600" cy="1569660"/>
+            <a:off x="762000" y="1524000"/>
+            <a:ext cx="7467600" cy="4524315"/>
           </a:xfrm>
           <a:prstGeom prst="rect">
             <a:avLst/>
@@ -4859,8 +5236,15 @@
           <a:p>
             <a:r>
               <a:rPr lang="en-US" dirty="0" smtClean="0"/>
-              <a:t>Three Different Networks</a:t>
-            </a:r>
+              <a:t>Three Different </a:t>
+            </a:r>
+            <a:r>
+              <a:rPr lang="en-US" dirty="0" smtClean="0"/>
+              <a:t>Networks</a:t>
+            </a:r>
+          </a:p>
+          <a:p>
+            <a:endParaRPr lang="en-US" dirty="0" smtClean="0"/>
           </a:p>
           <a:p>
             <a:pPr marL="457200" indent="-457200">
@@ -4869,7 +5253,11 @@
             </a:pPr>
             <a:r>
               <a:rPr lang="en-US" dirty="0" smtClean="0"/>
-              <a:t>Pixel Values Only</a:t>
+              <a:t>Pixel Values </a:t>
+            </a:r>
+            <a:r>
+              <a:rPr lang="en-US" dirty="0" smtClean="0"/>
+              <a:t>Only</a:t>
             </a:r>
           </a:p>
           <a:p>
@@ -4877,19 +5265,1503 @@
               <a:buFont typeface="Wingdings" charset="2"/>
               <a:buAutoNum type="arabicPlain"/>
             </a:pPr>
-            <a:r>
-              <a:rPr lang="en-US" dirty="0" smtClean="0"/>
-              <a:t>Context Only</a:t>
-            </a:r>
+            <a:endParaRPr lang="en-US" dirty="0"/>
           </a:p>
           <a:p>
             <a:pPr marL="457200" indent="-457200">
               <a:buFont typeface="Wingdings" charset="2"/>
               <a:buAutoNum type="arabicPlain"/>
             </a:pPr>
+            <a:endParaRPr lang="en-US" dirty="0" smtClean="0"/>
+          </a:p>
+          <a:p>
+            <a:pPr marL="457200" indent="-457200">
+              <a:buFont typeface="Wingdings" charset="2"/>
+              <a:buAutoNum type="arabicPlain"/>
+            </a:pPr>
+            <a:endParaRPr lang="en-US" dirty="0" smtClean="0"/>
+          </a:p>
+          <a:p>
+            <a:pPr marL="457200" indent="-457200">
+              <a:buFont typeface="Wingdings" charset="2"/>
+              <a:buAutoNum type="arabicPlain"/>
+            </a:pPr>
+            <a:r>
+              <a:rPr lang="en-US" dirty="0" smtClean="0"/>
+              <a:t>Context </a:t>
+            </a:r>
+            <a:r>
+              <a:rPr lang="en-US" dirty="0" smtClean="0"/>
+              <a:t>Only</a:t>
+            </a:r>
+          </a:p>
+          <a:p>
+            <a:pPr marL="457200" indent="-457200">
+              <a:buFont typeface="Wingdings" charset="2"/>
+              <a:buAutoNum type="arabicPlain"/>
+            </a:pPr>
+            <a:endParaRPr lang="en-US" dirty="0" smtClean="0"/>
+          </a:p>
+          <a:p>
+            <a:pPr marL="457200" indent="-457200">
+              <a:buFont typeface="Wingdings" charset="2"/>
+              <a:buAutoNum type="arabicPlain"/>
+            </a:pPr>
+            <a:endParaRPr lang="en-US" dirty="0"/>
+          </a:p>
+          <a:p>
+            <a:pPr marL="457200" indent="-457200">
+              <a:buFont typeface="Wingdings" charset="2"/>
+              <a:buAutoNum type="arabicPlain"/>
+            </a:pPr>
+            <a:endParaRPr lang="en-US" dirty="0" smtClean="0"/>
+          </a:p>
+          <a:p>
+            <a:pPr marL="457200" indent="-457200">
+              <a:buFont typeface="Wingdings" charset="2"/>
+              <a:buAutoNum type="arabicPlain"/>
+            </a:pPr>
             <a:r>
               <a:rPr lang="en-US" dirty="0" smtClean="0"/>
               <a:t>Combined</a:t>
+            </a:r>
+          </a:p>
+          <a:p>
+            <a:r>
+              <a:rPr lang="en-US" dirty="0"/>
+              <a:t>	</a:t>
+            </a:r>
+            <a:r>
+              <a:rPr lang="en-US" sz="2000" dirty="0" smtClean="0"/>
+              <a:t>(Pittman’s NN)</a:t>
+            </a:r>
+            <a:endParaRPr lang="en-US" sz="2000" dirty="0"/>
+          </a:p>
+        </p:txBody>
+      </p:sp>
+      <p:pic>
+        <p:nvPicPr>
+          <p:cNvPr id="2" name="Picture 1" descr="UTH4637.jpg"/>
+          <p:cNvPicPr>
+            <a:picLocks noChangeAspect="1"/>
+          </p:cNvPicPr>
+          <p:nvPr/>
+        </p:nvPicPr>
+        <p:blipFill>
+          <a:blip r:embed="rId2">
+            <a:extLst>
+              <a:ext uri="{28A0092B-C50C-407E-A947-70E740481C1C}">
+                <a14:useLocalDpi xmlns:a14="http://schemas.microsoft.com/office/drawing/2010/main" val="0"/>
+              </a:ext>
+            </a:extLst>
+          </a:blip>
+          <a:stretch>
+            <a:fillRect/>
+          </a:stretch>
+        </p:blipFill>
+        <p:spPr>
+          <a:xfrm>
+            <a:off x="4114800" y="2209800"/>
+            <a:ext cx="533400" cy="643636"/>
+          </a:xfrm>
+          <a:prstGeom prst="rect">
+            <a:avLst/>
+          </a:prstGeom>
+        </p:spPr>
+      </p:pic>
+      <p:sp>
+        <p:nvSpPr>
+          <p:cNvPr id="5" name="Right Arrow 4"/>
+          <p:cNvSpPr/>
+          <p:nvPr/>
+        </p:nvSpPr>
+        <p:spPr>
+          <a:xfrm>
+            <a:off x="4800600" y="2362200"/>
+            <a:ext cx="457200" cy="304800"/>
+          </a:xfrm>
+          <a:prstGeom prst="rightArrow">
+            <a:avLst/>
+          </a:prstGeom>
+        </p:spPr>
+        <p:style>
+          <a:lnRef idx="1">
+            <a:schemeClr val="accent1"/>
+          </a:lnRef>
+          <a:fillRef idx="3">
+            <a:schemeClr val="accent1"/>
+          </a:fillRef>
+          <a:effectRef idx="2">
+            <a:schemeClr val="accent1"/>
+          </a:effectRef>
+          <a:fontRef idx="minor">
+            <a:schemeClr val="lt1"/>
+          </a:fontRef>
+        </p:style>
+        <p:txBody>
+          <a:bodyPr rtlCol="0" anchor="ctr"/>
+          <a:lstStyle/>
+          <a:p>
+            <a:pPr algn="ctr"/>
+            <a:endParaRPr lang="en-US"/>
+          </a:p>
+        </p:txBody>
+      </p:sp>
+      <p:sp>
+        <p:nvSpPr>
+          <p:cNvPr id="25" name="Rectangle 24"/>
+          <p:cNvSpPr/>
+          <p:nvPr/>
+        </p:nvSpPr>
+        <p:spPr>
+          <a:xfrm>
+            <a:off x="5486400" y="1828800"/>
+            <a:ext cx="152400" cy="1113692"/>
+          </a:xfrm>
+          <a:prstGeom prst="rect">
+            <a:avLst/>
+          </a:prstGeom>
+          <a:solidFill>
+            <a:schemeClr val="tx1"/>
+          </a:solidFill>
+        </p:spPr>
+        <p:style>
+          <a:lnRef idx="1">
+            <a:schemeClr val="accent1"/>
+          </a:lnRef>
+          <a:fillRef idx="3">
+            <a:schemeClr val="accent1"/>
+          </a:fillRef>
+          <a:effectRef idx="2">
+            <a:schemeClr val="accent1"/>
+          </a:effectRef>
+          <a:fontRef idx="minor">
+            <a:schemeClr val="lt1"/>
+          </a:fontRef>
+        </p:style>
+        <p:txBody>
+          <a:bodyPr rtlCol="0" anchor="ctr"/>
+          <a:lstStyle/>
+          <a:p>
+            <a:pPr algn="ctr"/>
+            <a:endParaRPr lang="en-US"/>
+          </a:p>
+        </p:txBody>
+      </p:sp>
+      <p:sp>
+        <p:nvSpPr>
+          <p:cNvPr id="26" name="Rectangle 25"/>
+          <p:cNvSpPr/>
+          <p:nvPr/>
+        </p:nvSpPr>
+        <p:spPr>
+          <a:xfrm>
+            <a:off x="6324600" y="2057400"/>
+            <a:ext cx="152400" cy="762000"/>
+          </a:xfrm>
+          <a:prstGeom prst="rect">
+            <a:avLst/>
+          </a:prstGeom>
+          <a:solidFill>
+            <a:schemeClr val="tx1"/>
+          </a:solidFill>
+        </p:spPr>
+        <p:style>
+          <a:lnRef idx="1">
+            <a:schemeClr val="accent1"/>
+          </a:lnRef>
+          <a:fillRef idx="3">
+            <a:schemeClr val="accent1"/>
+          </a:fillRef>
+          <a:effectRef idx="2">
+            <a:schemeClr val="accent1"/>
+          </a:effectRef>
+          <a:fontRef idx="minor">
+            <a:schemeClr val="lt1"/>
+          </a:fontRef>
+        </p:style>
+        <p:txBody>
+          <a:bodyPr rtlCol="0" anchor="ctr"/>
+          <a:lstStyle/>
+          <a:p>
+            <a:pPr algn="ctr"/>
+            <a:endParaRPr lang="en-US"/>
+          </a:p>
+        </p:txBody>
+      </p:sp>
+      <p:sp>
+        <p:nvSpPr>
+          <p:cNvPr id="27" name="Rectangle 26"/>
+          <p:cNvSpPr/>
+          <p:nvPr/>
+        </p:nvSpPr>
+        <p:spPr>
+          <a:xfrm>
+            <a:off x="7162800" y="1905000"/>
+            <a:ext cx="152400" cy="996462"/>
+          </a:xfrm>
+          <a:prstGeom prst="rect">
+            <a:avLst/>
+          </a:prstGeom>
+          <a:solidFill>
+            <a:schemeClr val="tx1"/>
+          </a:solidFill>
+        </p:spPr>
+        <p:style>
+          <a:lnRef idx="1">
+            <a:schemeClr val="accent1"/>
+          </a:lnRef>
+          <a:fillRef idx="3">
+            <a:schemeClr val="accent1"/>
+          </a:fillRef>
+          <a:effectRef idx="2">
+            <a:schemeClr val="accent1"/>
+          </a:effectRef>
+          <a:fontRef idx="minor">
+            <a:schemeClr val="lt1"/>
+          </a:fontRef>
+        </p:style>
+        <p:txBody>
+          <a:bodyPr rtlCol="0" anchor="ctr"/>
+          <a:lstStyle/>
+          <a:p>
+            <a:pPr algn="ctr"/>
+            <a:endParaRPr lang="en-US"/>
+          </a:p>
+        </p:txBody>
+      </p:sp>
+      <p:cxnSp>
+        <p:nvCxnSpPr>
+          <p:cNvPr id="29" name="Straight Arrow Connector 28"/>
+          <p:cNvCxnSpPr/>
+          <p:nvPr/>
+        </p:nvCxnSpPr>
+        <p:spPr>
+          <a:xfrm>
+            <a:off x="5638800" y="1828800"/>
+            <a:ext cx="685800" cy="937846"/>
+          </a:xfrm>
+          <a:prstGeom prst="straightConnector1">
+            <a:avLst/>
+          </a:prstGeom>
+          <a:ln>
+            <a:tailEnd type="arrow"/>
+          </a:ln>
+        </p:spPr>
+        <p:style>
+          <a:lnRef idx="2">
+            <a:schemeClr val="accent1"/>
+          </a:lnRef>
+          <a:fillRef idx="0">
+            <a:schemeClr val="accent1"/>
+          </a:fillRef>
+          <a:effectRef idx="1">
+            <a:schemeClr val="accent1"/>
+          </a:effectRef>
+          <a:fontRef idx="minor">
+            <a:schemeClr val="tx1"/>
+          </a:fontRef>
+        </p:style>
+      </p:cxnSp>
+      <p:cxnSp>
+        <p:nvCxnSpPr>
+          <p:cNvPr id="31" name="Straight Arrow Connector 30"/>
+          <p:cNvCxnSpPr>
+            <a:stCxn id="25" idx="2"/>
+            <a:endCxn id="26" idx="0"/>
+          </p:cNvCxnSpPr>
+          <p:nvPr/>
+        </p:nvCxnSpPr>
+        <p:spPr>
+          <a:xfrm flipV="1">
+            <a:off x="5562600" y="2057400"/>
+            <a:ext cx="838200" cy="885092"/>
+          </a:xfrm>
+          <a:prstGeom prst="straightConnector1">
+            <a:avLst/>
+          </a:prstGeom>
+          <a:ln>
+            <a:tailEnd type="arrow"/>
+          </a:ln>
+        </p:spPr>
+        <p:style>
+          <a:lnRef idx="2">
+            <a:schemeClr val="accent1"/>
+          </a:lnRef>
+          <a:fillRef idx="0">
+            <a:schemeClr val="accent1"/>
+          </a:fillRef>
+          <a:effectRef idx="1">
+            <a:schemeClr val="accent1"/>
+          </a:effectRef>
+          <a:fontRef idx="minor">
+            <a:schemeClr val="tx1"/>
+          </a:fontRef>
+        </p:style>
+      </p:cxnSp>
+      <p:cxnSp>
+        <p:nvCxnSpPr>
+          <p:cNvPr id="35" name="Straight Arrow Connector 34"/>
+          <p:cNvCxnSpPr>
+            <a:stCxn id="26" idx="2"/>
+          </p:cNvCxnSpPr>
+          <p:nvPr/>
+        </p:nvCxnSpPr>
+        <p:spPr>
+          <a:xfrm flipV="1">
+            <a:off x="6400800" y="1905000"/>
+            <a:ext cx="762000" cy="914400"/>
+          </a:xfrm>
+          <a:prstGeom prst="straightConnector1">
+            <a:avLst/>
+          </a:prstGeom>
+          <a:ln>
+            <a:tailEnd type="arrow"/>
+          </a:ln>
+        </p:spPr>
+        <p:style>
+          <a:lnRef idx="2">
+            <a:schemeClr val="accent1"/>
+          </a:lnRef>
+          <a:fillRef idx="0">
+            <a:schemeClr val="accent1"/>
+          </a:fillRef>
+          <a:effectRef idx="1">
+            <a:schemeClr val="accent1"/>
+          </a:effectRef>
+          <a:fontRef idx="minor">
+            <a:schemeClr val="tx1"/>
+          </a:fontRef>
+        </p:style>
+      </p:cxnSp>
+      <p:cxnSp>
+        <p:nvCxnSpPr>
+          <p:cNvPr id="37" name="Straight Arrow Connector 36"/>
+          <p:cNvCxnSpPr>
+            <a:stCxn id="26" idx="0"/>
+          </p:cNvCxnSpPr>
+          <p:nvPr/>
+        </p:nvCxnSpPr>
+        <p:spPr>
+          <a:xfrm>
+            <a:off x="6400800" y="2057400"/>
+            <a:ext cx="762000" cy="838200"/>
+          </a:xfrm>
+          <a:prstGeom prst="straightConnector1">
+            <a:avLst/>
+          </a:prstGeom>
+          <a:ln>
+            <a:tailEnd type="arrow"/>
+          </a:ln>
+        </p:spPr>
+        <p:style>
+          <a:lnRef idx="2">
+            <a:schemeClr val="accent1"/>
+          </a:lnRef>
+          <a:fillRef idx="0">
+            <a:schemeClr val="accent1"/>
+          </a:fillRef>
+          <a:effectRef idx="1">
+            <a:schemeClr val="accent1"/>
+          </a:effectRef>
+          <a:fontRef idx="minor">
+            <a:schemeClr val="tx1"/>
+          </a:fontRef>
+        </p:style>
+      </p:cxnSp>
+      <p:sp>
+        <p:nvSpPr>
+          <p:cNvPr id="48" name="Rectangle 47"/>
+          <p:cNvSpPr/>
+          <p:nvPr/>
+        </p:nvSpPr>
+        <p:spPr>
+          <a:xfrm>
+            <a:off x="5105400" y="3657600"/>
+            <a:ext cx="152400" cy="1113692"/>
+          </a:xfrm>
+          <a:prstGeom prst="rect">
+            <a:avLst/>
+          </a:prstGeom>
+          <a:solidFill>
+            <a:schemeClr val="tx1"/>
+          </a:solidFill>
+        </p:spPr>
+        <p:style>
+          <a:lnRef idx="1">
+            <a:schemeClr val="accent1"/>
+          </a:lnRef>
+          <a:fillRef idx="3">
+            <a:schemeClr val="accent1"/>
+          </a:fillRef>
+          <a:effectRef idx="2">
+            <a:schemeClr val="accent1"/>
+          </a:effectRef>
+          <a:fontRef idx="minor">
+            <a:schemeClr val="lt1"/>
+          </a:fontRef>
+        </p:style>
+        <p:txBody>
+          <a:bodyPr rtlCol="0" anchor="ctr"/>
+          <a:lstStyle/>
+          <a:p>
+            <a:pPr algn="ctr"/>
+            <a:endParaRPr lang="en-US"/>
+          </a:p>
+        </p:txBody>
+      </p:sp>
+      <p:sp>
+        <p:nvSpPr>
+          <p:cNvPr id="49" name="Rectangle 48"/>
+          <p:cNvSpPr/>
+          <p:nvPr/>
+        </p:nvSpPr>
+        <p:spPr>
+          <a:xfrm>
+            <a:off x="5943600" y="3886200"/>
+            <a:ext cx="152400" cy="762000"/>
+          </a:xfrm>
+          <a:prstGeom prst="rect">
+            <a:avLst/>
+          </a:prstGeom>
+          <a:solidFill>
+            <a:schemeClr val="tx1"/>
+          </a:solidFill>
+        </p:spPr>
+        <p:style>
+          <a:lnRef idx="1">
+            <a:schemeClr val="accent1"/>
+          </a:lnRef>
+          <a:fillRef idx="3">
+            <a:schemeClr val="accent1"/>
+          </a:fillRef>
+          <a:effectRef idx="2">
+            <a:schemeClr val="accent1"/>
+          </a:effectRef>
+          <a:fontRef idx="minor">
+            <a:schemeClr val="lt1"/>
+          </a:fontRef>
+        </p:style>
+        <p:txBody>
+          <a:bodyPr rtlCol="0" anchor="ctr"/>
+          <a:lstStyle/>
+          <a:p>
+            <a:pPr algn="ctr"/>
+            <a:endParaRPr lang="en-US"/>
+          </a:p>
+        </p:txBody>
+      </p:sp>
+      <p:sp>
+        <p:nvSpPr>
+          <p:cNvPr id="50" name="Rectangle 49"/>
+          <p:cNvSpPr/>
+          <p:nvPr/>
+        </p:nvSpPr>
+        <p:spPr>
+          <a:xfrm>
+            <a:off x="6781800" y="3733800"/>
+            <a:ext cx="152400" cy="996462"/>
+          </a:xfrm>
+          <a:prstGeom prst="rect">
+            <a:avLst/>
+          </a:prstGeom>
+          <a:solidFill>
+            <a:schemeClr val="tx1"/>
+          </a:solidFill>
+        </p:spPr>
+        <p:style>
+          <a:lnRef idx="1">
+            <a:schemeClr val="accent1"/>
+          </a:lnRef>
+          <a:fillRef idx="3">
+            <a:schemeClr val="accent1"/>
+          </a:fillRef>
+          <a:effectRef idx="2">
+            <a:schemeClr val="accent1"/>
+          </a:effectRef>
+          <a:fontRef idx="minor">
+            <a:schemeClr val="lt1"/>
+          </a:fontRef>
+        </p:style>
+        <p:txBody>
+          <a:bodyPr rtlCol="0" anchor="ctr"/>
+          <a:lstStyle/>
+          <a:p>
+            <a:pPr algn="ctr"/>
+            <a:endParaRPr lang="en-US"/>
+          </a:p>
+        </p:txBody>
+      </p:sp>
+      <p:cxnSp>
+        <p:nvCxnSpPr>
+          <p:cNvPr id="51" name="Straight Arrow Connector 50"/>
+          <p:cNvCxnSpPr/>
+          <p:nvPr/>
+        </p:nvCxnSpPr>
+        <p:spPr>
+          <a:xfrm>
+            <a:off x="5257800" y="3657600"/>
+            <a:ext cx="685800" cy="937846"/>
+          </a:xfrm>
+          <a:prstGeom prst="straightConnector1">
+            <a:avLst/>
+          </a:prstGeom>
+          <a:ln>
+            <a:tailEnd type="arrow"/>
+          </a:ln>
+        </p:spPr>
+        <p:style>
+          <a:lnRef idx="2">
+            <a:schemeClr val="accent1"/>
+          </a:lnRef>
+          <a:fillRef idx="0">
+            <a:schemeClr val="accent1"/>
+          </a:fillRef>
+          <a:effectRef idx="1">
+            <a:schemeClr val="accent1"/>
+          </a:effectRef>
+          <a:fontRef idx="minor">
+            <a:schemeClr val="tx1"/>
+          </a:fontRef>
+        </p:style>
+      </p:cxnSp>
+      <p:cxnSp>
+        <p:nvCxnSpPr>
+          <p:cNvPr id="52" name="Straight Arrow Connector 51"/>
+          <p:cNvCxnSpPr>
+            <a:stCxn id="48" idx="2"/>
+            <a:endCxn id="49" idx="0"/>
+          </p:cNvCxnSpPr>
+          <p:nvPr/>
+        </p:nvCxnSpPr>
+        <p:spPr>
+          <a:xfrm flipV="1">
+            <a:off x="5181600" y="3886200"/>
+            <a:ext cx="838200" cy="885092"/>
+          </a:xfrm>
+          <a:prstGeom prst="straightConnector1">
+            <a:avLst/>
+          </a:prstGeom>
+          <a:ln>
+            <a:tailEnd type="arrow"/>
+          </a:ln>
+        </p:spPr>
+        <p:style>
+          <a:lnRef idx="2">
+            <a:schemeClr val="accent1"/>
+          </a:lnRef>
+          <a:fillRef idx="0">
+            <a:schemeClr val="accent1"/>
+          </a:fillRef>
+          <a:effectRef idx="1">
+            <a:schemeClr val="accent1"/>
+          </a:effectRef>
+          <a:fontRef idx="minor">
+            <a:schemeClr val="tx1"/>
+          </a:fontRef>
+        </p:style>
+      </p:cxnSp>
+      <p:cxnSp>
+        <p:nvCxnSpPr>
+          <p:cNvPr id="53" name="Straight Arrow Connector 52"/>
+          <p:cNvCxnSpPr>
+            <a:stCxn id="49" idx="2"/>
+          </p:cNvCxnSpPr>
+          <p:nvPr/>
+        </p:nvCxnSpPr>
+        <p:spPr>
+          <a:xfrm flipV="1">
+            <a:off x="6019800" y="3733800"/>
+            <a:ext cx="762000" cy="914400"/>
+          </a:xfrm>
+          <a:prstGeom prst="straightConnector1">
+            <a:avLst/>
+          </a:prstGeom>
+          <a:ln>
+            <a:tailEnd type="arrow"/>
+          </a:ln>
+        </p:spPr>
+        <p:style>
+          <a:lnRef idx="2">
+            <a:schemeClr val="accent1"/>
+          </a:lnRef>
+          <a:fillRef idx="0">
+            <a:schemeClr val="accent1"/>
+          </a:fillRef>
+          <a:effectRef idx="1">
+            <a:schemeClr val="accent1"/>
+          </a:effectRef>
+          <a:fontRef idx="minor">
+            <a:schemeClr val="tx1"/>
+          </a:fontRef>
+        </p:style>
+      </p:cxnSp>
+      <p:cxnSp>
+        <p:nvCxnSpPr>
+          <p:cNvPr id="54" name="Straight Arrow Connector 53"/>
+          <p:cNvCxnSpPr>
+            <a:stCxn id="49" idx="0"/>
+          </p:cNvCxnSpPr>
+          <p:nvPr/>
+        </p:nvCxnSpPr>
+        <p:spPr>
+          <a:xfrm>
+            <a:off x="6019800" y="3886200"/>
+            <a:ext cx="762000" cy="838200"/>
+          </a:xfrm>
+          <a:prstGeom prst="straightConnector1">
+            <a:avLst/>
+          </a:prstGeom>
+          <a:ln>
+            <a:tailEnd type="arrow"/>
+          </a:ln>
+        </p:spPr>
+        <p:style>
+          <a:lnRef idx="2">
+            <a:schemeClr val="accent1"/>
+          </a:lnRef>
+          <a:fillRef idx="0">
+            <a:schemeClr val="accent1"/>
+          </a:fillRef>
+          <a:effectRef idx="1">
+            <a:schemeClr val="accent1"/>
+          </a:effectRef>
+          <a:fontRef idx="minor">
+            <a:schemeClr val="tx1"/>
+          </a:fontRef>
+        </p:style>
+      </p:cxnSp>
+      <p:pic>
+        <p:nvPicPr>
+          <p:cNvPr id="55" name="Picture 54" descr="printmonogram-handwritten-c.jpg"/>
+          <p:cNvPicPr>
+            <a:picLocks noChangeAspect="1"/>
+          </p:cNvPicPr>
+          <p:nvPr/>
+        </p:nvPicPr>
+        <p:blipFill>
+          <a:blip r:embed="rId3">
+            <a:extLst>
+              <a:ext uri="{28A0092B-C50C-407E-A947-70E740481C1C}">
+                <a14:useLocalDpi xmlns:a14="http://schemas.microsoft.com/office/drawing/2010/main" val="0"/>
+              </a:ext>
+            </a:extLst>
+          </a:blip>
+          <a:stretch>
+            <a:fillRect/>
+          </a:stretch>
+        </p:blipFill>
+        <p:spPr>
+          <a:xfrm>
+            <a:off x="4114800" y="3657600"/>
+            <a:ext cx="238276" cy="304800"/>
+          </a:xfrm>
+          <a:prstGeom prst="rect">
+            <a:avLst/>
+          </a:prstGeom>
+        </p:spPr>
+      </p:pic>
+      <p:pic>
+        <p:nvPicPr>
+          <p:cNvPr id="56" name="Picture 55" descr="UTH4656.jpg"/>
+          <p:cNvPicPr>
+            <a:picLocks noChangeAspect="1"/>
+          </p:cNvPicPr>
+          <p:nvPr/>
+        </p:nvPicPr>
+        <p:blipFill>
+          <a:blip r:embed="rId4">
+            <a:extLst>
+              <a:ext uri="{28A0092B-C50C-407E-A947-70E740481C1C}">
+                <a14:useLocalDpi xmlns:a14="http://schemas.microsoft.com/office/drawing/2010/main" val="0"/>
+              </a:ext>
+            </a:extLst>
+          </a:blip>
+          <a:stretch>
+            <a:fillRect/>
+          </a:stretch>
+        </p:blipFill>
+        <p:spPr>
+          <a:xfrm>
+            <a:off x="4114800" y="4498848"/>
+            <a:ext cx="228600" cy="301752"/>
+          </a:xfrm>
+          <a:prstGeom prst="rect">
+            <a:avLst/>
+          </a:prstGeom>
+        </p:spPr>
+      </p:pic>
+      <p:sp>
+        <p:nvSpPr>
+          <p:cNvPr id="57" name="Right Arrow 56"/>
+          <p:cNvSpPr/>
+          <p:nvPr/>
+        </p:nvSpPr>
+        <p:spPr>
+          <a:xfrm>
+            <a:off x="7543800" y="2362200"/>
+            <a:ext cx="457200" cy="304800"/>
+          </a:xfrm>
+          <a:prstGeom prst="rightArrow">
+            <a:avLst/>
+          </a:prstGeom>
+        </p:spPr>
+        <p:style>
+          <a:lnRef idx="1">
+            <a:schemeClr val="accent1"/>
+          </a:lnRef>
+          <a:fillRef idx="3">
+            <a:schemeClr val="accent1"/>
+          </a:fillRef>
+          <a:effectRef idx="2">
+            <a:schemeClr val="accent1"/>
+          </a:effectRef>
+          <a:fontRef idx="minor">
+            <a:schemeClr val="lt1"/>
+          </a:fontRef>
+        </p:style>
+        <p:txBody>
+          <a:bodyPr rtlCol="0" anchor="ctr"/>
+          <a:lstStyle/>
+          <a:p>
+            <a:pPr algn="ctr"/>
+            <a:endParaRPr lang="en-US"/>
+          </a:p>
+        </p:txBody>
+      </p:sp>
+      <p:sp>
+        <p:nvSpPr>
+          <p:cNvPr id="58" name="Right Arrow 57"/>
+          <p:cNvSpPr/>
+          <p:nvPr/>
+        </p:nvSpPr>
+        <p:spPr>
+          <a:xfrm>
+            <a:off x="4495800" y="4495800"/>
+            <a:ext cx="457200" cy="304800"/>
+          </a:xfrm>
+          <a:prstGeom prst="rightArrow">
+            <a:avLst/>
+          </a:prstGeom>
+        </p:spPr>
+        <p:style>
+          <a:lnRef idx="1">
+            <a:schemeClr val="accent1"/>
+          </a:lnRef>
+          <a:fillRef idx="3">
+            <a:schemeClr val="accent1"/>
+          </a:fillRef>
+          <a:effectRef idx="2">
+            <a:schemeClr val="accent1"/>
+          </a:effectRef>
+          <a:fontRef idx="minor">
+            <a:schemeClr val="lt1"/>
+          </a:fontRef>
+        </p:style>
+        <p:txBody>
+          <a:bodyPr rtlCol="0" anchor="ctr"/>
+          <a:lstStyle/>
+          <a:p>
+            <a:pPr algn="ctr"/>
+            <a:endParaRPr lang="en-US"/>
+          </a:p>
+        </p:txBody>
+      </p:sp>
+      <p:sp>
+        <p:nvSpPr>
+          <p:cNvPr id="59" name="Right Arrow 58"/>
+          <p:cNvSpPr/>
+          <p:nvPr/>
+        </p:nvSpPr>
+        <p:spPr>
+          <a:xfrm>
+            <a:off x="4495800" y="3657600"/>
+            <a:ext cx="457200" cy="304800"/>
+          </a:xfrm>
+          <a:prstGeom prst="rightArrow">
+            <a:avLst/>
+          </a:prstGeom>
+        </p:spPr>
+        <p:style>
+          <a:lnRef idx="1">
+            <a:schemeClr val="accent1"/>
+          </a:lnRef>
+          <a:fillRef idx="3">
+            <a:schemeClr val="accent1"/>
+          </a:fillRef>
+          <a:effectRef idx="2">
+            <a:schemeClr val="accent1"/>
+          </a:effectRef>
+          <a:fontRef idx="minor">
+            <a:schemeClr val="lt1"/>
+          </a:fontRef>
+        </p:style>
+        <p:txBody>
+          <a:bodyPr rtlCol="0" anchor="ctr"/>
+          <a:lstStyle/>
+          <a:p>
+            <a:pPr algn="ctr"/>
+            <a:endParaRPr lang="en-US"/>
+          </a:p>
+        </p:txBody>
+      </p:sp>
+      <p:sp>
+        <p:nvSpPr>
+          <p:cNvPr id="60" name="Right Arrow 59"/>
+          <p:cNvSpPr/>
+          <p:nvPr/>
+        </p:nvSpPr>
+        <p:spPr>
+          <a:xfrm>
+            <a:off x="7162800" y="4038600"/>
+            <a:ext cx="457200" cy="304800"/>
+          </a:xfrm>
+          <a:prstGeom prst="rightArrow">
+            <a:avLst/>
+          </a:prstGeom>
+        </p:spPr>
+        <p:style>
+          <a:lnRef idx="1">
+            <a:schemeClr val="accent1"/>
+          </a:lnRef>
+          <a:fillRef idx="3">
+            <a:schemeClr val="accent1"/>
+          </a:fillRef>
+          <a:effectRef idx="2">
+            <a:schemeClr val="accent1"/>
+          </a:effectRef>
+          <a:fontRef idx="minor">
+            <a:schemeClr val="lt1"/>
+          </a:fontRef>
+        </p:style>
+        <p:txBody>
+          <a:bodyPr rtlCol="0" anchor="ctr"/>
+          <a:lstStyle/>
+          <a:p>
+            <a:pPr algn="ctr"/>
+            <a:endParaRPr lang="en-US"/>
+          </a:p>
+        </p:txBody>
+      </p:sp>
+      <p:sp>
+        <p:nvSpPr>
+          <p:cNvPr id="61" name="Rectangle 60"/>
+          <p:cNvSpPr/>
+          <p:nvPr/>
+        </p:nvSpPr>
+        <p:spPr>
+          <a:xfrm>
+            <a:off x="5105400" y="5334000"/>
+            <a:ext cx="152400" cy="1113692"/>
+          </a:xfrm>
+          <a:prstGeom prst="rect">
+            <a:avLst/>
+          </a:prstGeom>
+          <a:solidFill>
+            <a:schemeClr val="tx1"/>
+          </a:solidFill>
+        </p:spPr>
+        <p:style>
+          <a:lnRef idx="1">
+            <a:schemeClr val="accent1"/>
+          </a:lnRef>
+          <a:fillRef idx="3">
+            <a:schemeClr val="accent1"/>
+          </a:fillRef>
+          <a:effectRef idx="2">
+            <a:schemeClr val="accent1"/>
+          </a:effectRef>
+          <a:fontRef idx="minor">
+            <a:schemeClr val="lt1"/>
+          </a:fontRef>
+        </p:style>
+        <p:txBody>
+          <a:bodyPr rtlCol="0" anchor="ctr"/>
+          <a:lstStyle/>
+          <a:p>
+            <a:pPr algn="ctr"/>
+            <a:endParaRPr lang="en-US"/>
+          </a:p>
+        </p:txBody>
+      </p:sp>
+      <p:sp>
+        <p:nvSpPr>
+          <p:cNvPr id="62" name="Rectangle 61"/>
+          <p:cNvSpPr/>
+          <p:nvPr/>
+        </p:nvSpPr>
+        <p:spPr>
+          <a:xfrm>
+            <a:off x="5943600" y="5562600"/>
+            <a:ext cx="152400" cy="762000"/>
+          </a:xfrm>
+          <a:prstGeom prst="rect">
+            <a:avLst/>
+          </a:prstGeom>
+          <a:solidFill>
+            <a:schemeClr val="tx1"/>
+          </a:solidFill>
+        </p:spPr>
+        <p:style>
+          <a:lnRef idx="1">
+            <a:schemeClr val="accent1"/>
+          </a:lnRef>
+          <a:fillRef idx="3">
+            <a:schemeClr val="accent1"/>
+          </a:fillRef>
+          <a:effectRef idx="2">
+            <a:schemeClr val="accent1"/>
+          </a:effectRef>
+          <a:fontRef idx="minor">
+            <a:schemeClr val="lt1"/>
+          </a:fontRef>
+        </p:style>
+        <p:txBody>
+          <a:bodyPr rtlCol="0" anchor="ctr"/>
+          <a:lstStyle/>
+          <a:p>
+            <a:pPr algn="ctr"/>
+            <a:endParaRPr lang="en-US"/>
+          </a:p>
+        </p:txBody>
+      </p:sp>
+      <p:sp>
+        <p:nvSpPr>
+          <p:cNvPr id="63" name="Rectangle 62"/>
+          <p:cNvSpPr/>
+          <p:nvPr/>
+        </p:nvSpPr>
+        <p:spPr>
+          <a:xfrm>
+            <a:off x="6781800" y="5410200"/>
+            <a:ext cx="152400" cy="996462"/>
+          </a:xfrm>
+          <a:prstGeom prst="rect">
+            <a:avLst/>
+          </a:prstGeom>
+          <a:solidFill>
+            <a:schemeClr val="tx1"/>
+          </a:solidFill>
+        </p:spPr>
+        <p:style>
+          <a:lnRef idx="1">
+            <a:schemeClr val="accent1"/>
+          </a:lnRef>
+          <a:fillRef idx="3">
+            <a:schemeClr val="accent1"/>
+          </a:fillRef>
+          <a:effectRef idx="2">
+            <a:schemeClr val="accent1"/>
+          </a:effectRef>
+          <a:fontRef idx="minor">
+            <a:schemeClr val="lt1"/>
+          </a:fontRef>
+        </p:style>
+        <p:txBody>
+          <a:bodyPr rtlCol="0" anchor="ctr"/>
+          <a:lstStyle/>
+          <a:p>
+            <a:pPr algn="ctr"/>
+            <a:endParaRPr lang="en-US"/>
+          </a:p>
+        </p:txBody>
+      </p:sp>
+      <p:cxnSp>
+        <p:nvCxnSpPr>
+          <p:cNvPr id="64" name="Straight Arrow Connector 63"/>
+          <p:cNvCxnSpPr/>
+          <p:nvPr/>
+        </p:nvCxnSpPr>
+        <p:spPr>
+          <a:xfrm>
+            <a:off x="5257800" y="5334000"/>
+            <a:ext cx="685800" cy="937846"/>
+          </a:xfrm>
+          <a:prstGeom prst="straightConnector1">
+            <a:avLst/>
+          </a:prstGeom>
+          <a:ln>
+            <a:tailEnd type="arrow"/>
+          </a:ln>
+        </p:spPr>
+        <p:style>
+          <a:lnRef idx="2">
+            <a:schemeClr val="accent1"/>
+          </a:lnRef>
+          <a:fillRef idx="0">
+            <a:schemeClr val="accent1"/>
+          </a:fillRef>
+          <a:effectRef idx="1">
+            <a:schemeClr val="accent1"/>
+          </a:effectRef>
+          <a:fontRef idx="minor">
+            <a:schemeClr val="tx1"/>
+          </a:fontRef>
+        </p:style>
+      </p:cxnSp>
+      <p:cxnSp>
+        <p:nvCxnSpPr>
+          <p:cNvPr id="65" name="Straight Arrow Connector 64"/>
+          <p:cNvCxnSpPr>
+            <a:stCxn id="61" idx="2"/>
+            <a:endCxn id="62" idx="0"/>
+          </p:cNvCxnSpPr>
+          <p:nvPr/>
+        </p:nvCxnSpPr>
+        <p:spPr>
+          <a:xfrm flipV="1">
+            <a:off x="5181600" y="5562600"/>
+            <a:ext cx="838200" cy="885092"/>
+          </a:xfrm>
+          <a:prstGeom prst="straightConnector1">
+            <a:avLst/>
+          </a:prstGeom>
+          <a:ln>
+            <a:tailEnd type="arrow"/>
+          </a:ln>
+        </p:spPr>
+        <p:style>
+          <a:lnRef idx="2">
+            <a:schemeClr val="accent1"/>
+          </a:lnRef>
+          <a:fillRef idx="0">
+            <a:schemeClr val="accent1"/>
+          </a:fillRef>
+          <a:effectRef idx="1">
+            <a:schemeClr val="accent1"/>
+          </a:effectRef>
+          <a:fontRef idx="minor">
+            <a:schemeClr val="tx1"/>
+          </a:fontRef>
+        </p:style>
+      </p:cxnSp>
+      <p:cxnSp>
+        <p:nvCxnSpPr>
+          <p:cNvPr id="66" name="Straight Arrow Connector 65"/>
+          <p:cNvCxnSpPr>
+            <a:stCxn id="62" idx="2"/>
+          </p:cNvCxnSpPr>
+          <p:nvPr/>
+        </p:nvCxnSpPr>
+        <p:spPr>
+          <a:xfrm flipV="1">
+            <a:off x="6019800" y="5410200"/>
+            <a:ext cx="762000" cy="914400"/>
+          </a:xfrm>
+          <a:prstGeom prst="straightConnector1">
+            <a:avLst/>
+          </a:prstGeom>
+          <a:ln>
+            <a:tailEnd type="arrow"/>
+          </a:ln>
+        </p:spPr>
+        <p:style>
+          <a:lnRef idx="2">
+            <a:schemeClr val="accent1"/>
+          </a:lnRef>
+          <a:fillRef idx="0">
+            <a:schemeClr val="accent1"/>
+          </a:fillRef>
+          <a:effectRef idx="1">
+            <a:schemeClr val="accent1"/>
+          </a:effectRef>
+          <a:fontRef idx="minor">
+            <a:schemeClr val="tx1"/>
+          </a:fontRef>
+        </p:style>
+      </p:cxnSp>
+      <p:cxnSp>
+        <p:nvCxnSpPr>
+          <p:cNvPr id="67" name="Straight Arrow Connector 66"/>
+          <p:cNvCxnSpPr>
+            <a:stCxn id="62" idx="0"/>
+          </p:cNvCxnSpPr>
+          <p:nvPr/>
+        </p:nvCxnSpPr>
+        <p:spPr>
+          <a:xfrm>
+            <a:off x="6019800" y="5562600"/>
+            <a:ext cx="762000" cy="838200"/>
+          </a:xfrm>
+          <a:prstGeom prst="straightConnector1">
+            <a:avLst/>
+          </a:prstGeom>
+          <a:ln>
+            <a:tailEnd type="arrow"/>
+          </a:ln>
+        </p:spPr>
+        <p:style>
+          <a:lnRef idx="2">
+            <a:schemeClr val="accent1"/>
+          </a:lnRef>
+          <a:fillRef idx="0">
+            <a:schemeClr val="accent1"/>
+          </a:fillRef>
+          <a:effectRef idx="1">
+            <a:schemeClr val="accent1"/>
+          </a:effectRef>
+          <a:fontRef idx="minor">
+            <a:schemeClr val="tx1"/>
+          </a:fontRef>
+        </p:style>
+      </p:cxnSp>
+      <p:pic>
+        <p:nvPicPr>
+          <p:cNvPr id="68" name="Picture 67" descr="printmonogram-handwritten-c.jpg"/>
+          <p:cNvPicPr>
+            <a:picLocks noChangeAspect="1"/>
+          </p:cNvPicPr>
+          <p:nvPr/>
+        </p:nvPicPr>
+        <p:blipFill>
+          <a:blip r:embed="rId3">
+            <a:extLst>
+              <a:ext uri="{28A0092B-C50C-407E-A947-70E740481C1C}">
+                <a14:useLocalDpi xmlns:a14="http://schemas.microsoft.com/office/drawing/2010/main" val="0"/>
+              </a:ext>
+            </a:extLst>
+          </a:blip>
+          <a:stretch>
+            <a:fillRect/>
+          </a:stretch>
+        </p:blipFill>
+        <p:spPr>
+          <a:xfrm>
+            <a:off x="4114800" y="5334000"/>
+            <a:ext cx="238276" cy="304800"/>
+          </a:xfrm>
+          <a:prstGeom prst="rect">
+            <a:avLst/>
+          </a:prstGeom>
+        </p:spPr>
+      </p:pic>
+      <p:pic>
+        <p:nvPicPr>
+          <p:cNvPr id="69" name="Picture 68" descr="UTH4656.jpg"/>
+          <p:cNvPicPr>
+            <a:picLocks noChangeAspect="1"/>
+          </p:cNvPicPr>
+          <p:nvPr/>
+        </p:nvPicPr>
+        <p:blipFill>
+          <a:blip r:embed="rId4">
+            <a:extLst>
+              <a:ext uri="{28A0092B-C50C-407E-A947-70E740481C1C}">
+                <a14:useLocalDpi xmlns:a14="http://schemas.microsoft.com/office/drawing/2010/main" val="0"/>
+              </a:ext>
+            </a:extLst>
+          </a:blip>
+          <a:stretch>
+            <a:fillRect/>
+          </a:stretch>
+        </p:blipFill>
+        <p:spPr>
+          <a:xfrm>
+            <a:off x="4114800" y="6175248"/>
+            <a:ext cx="228600" cy="301752"/>
+          </a:xfrm>
+          <a:prstGeom prst="rect">
+            <a:avLst/>
+          </a:prstGeom>
+        </p:spPr>
+      </p:pic>
+      <p:sp>
+        <p:nvSpPr>
+          <p:cNvPr id="70" name="Right Arrow 69"/>
+          <p:cNvSpPr/>
+          <p:nvPr/>
+        </p:nvSpPr>
+        <p:spPr>
+          <a:xfrm>
+            <a:off x="4495800" y="6248400"/>
+            <a:ext cx="457200" cy="304800"/>
+          </a:xfrm>
+          <a:prstGeom prst="rightArrow">
+            <a:avLst/>
+          </a:prstGeom>
+        </p:spPr>
+        <p:style>
+          <a:lnRef idx="1">
+            <a:schemeClr val="accent1"/>
+          </a:lnRef>
+          <a:fillRef idx="3">
+            <a:schemeClr val="accent1"/>
+          </a:fillRef>
+          <a:effectRef idx="2">
+            <a:schemeClr val="accent1"/>
+          </a:effectRef>
+          <a:fontRef idx="minor">
+            <a:schemeClr val="lt1"/>
+          </a:fontRef>
+        </p:style>
+        <p:txBody>
+          <a:bodyPr rtlCol="0" anchor="ctr"/>
+          <a:lstStyle/>
+          <a:p>
+            <a:pPr algn="ctr"/>
+            <a:endParaRPr lang="en-US"/>
+          </a:p>
+        </p:txBody>
+      </p:sp>
+      <p:sp>
+        <p:nvSpPr>
+          <p:cNvPr id="71" name="Right Arrow 70"/>
+          <p:cNvSpPr/>
+          <p:nvPr/>
+        </p:nvSpPr>
+        <p:spPr>
+          <a:xfrm>
+            <a:off x="4495800" y="5334000"/>
+            <a:ext cx="457200" cy="304800"/>
+          </a:xfrm>
+          <a:prstGeom prst="rightArrow">
+            <a:avLst/>
+          </a:prstGeom>
+        </p:spPr>
+        <p:style>
+          <a:lnRef idx="1">
+            <a:schemeClr val="accent1"/>
+          </a:lnRef>
+          <a:fillRef idx="3">
+            <a:schemeClr val="accent1"/>
+          </a:fillRef>
+          <a:effectRef idx="2">
+            <a:schemeClr val="accent1"/>
+          </a:effectRef>
+          <a:fontRef idx="minor">
+            <a:schemeClr val="lt1"/>
+          </a:fontRef>
+        </p:style>
+        <p:txBody>
+          <a:bodyPr rtlCol="0" anchor="ctr"/>
+          <a:lstStyle/>
+          <a:p>
+            <a:pPr algn="ctr"/>
+            <a:endParaRPr lang="en-US"/>
+          </a:p>
+        </p:txBody>
+      </p:sp>
+      <p:sp>
+        <p:nvSpPr>
+          <p:cNvPr id="72" name="Right Arrow 71"/>
+          <p:cNvSpPr/>
+          <p:nvPr/>
+        </p:nvSpPr>
+        <p:spPr>
+          <a:xfrm>
+            <a:off x="7162800" y="5715000"/>
+            <a:ext cx="457200" cy="304800"/>
+          </a:xfrm>
+          <a:prstGeom prst="rightArrow">
+            <a:avLst/>
+          </a:prstGeom>
+        </p:spPr>
+        <p:style>
+          <a:lnRef idx="1">
+            <a:schemeClr val="accent1"/>
+          </a:lnRef>
+          <a:fillRef idx="3">
+            <a:schemeClr val="accent1"/>
+          </a:fillRef>
+          <a:effectRef idx="2">
+            <a:schemeClr val="accent1"/>
+          </a:effectRef>
+          <a:fontRef idx="minor">
+            <a:schemeClr val="lt1"/>
+          </a:fontRef>
+        </p:style>
+        <p:txBody>
+          <a:bodyPr rtlCol="0" anchor="ctr"/>
+          <a:lstStyle/>
+          <a:p>
+            <a:pPr algn="ctr"/>
+            <a:endParaRPr lang="en-US"/>
+          </a:p>
+        </p:txBody>
+      </p:sp>
+      <p:pic>
+        <p:nvPicPr>
+          <p:cNvPr id="73" name="Picture 72" descr="UTH4637.jpg"/>
+          <p:cNvPicPr>
+            <a:picLocks noChangeAspect="1"/>
+          </p:cNvPicPr>
+          <p:nvPr/>
+        </p:nvPicPr>
+        <p:blipFill>
+          <a:blip r:embed="rId2">
+            <a:extLst>
+              <a:ext uri="{28A0092B-C50C-407E-A947-70E740481C1C}">
+                <a14:useLocalDpi xmlns:a14="http://schemas.microsoft.com/office/drawing/2010/main" val="0"/>
+              </a:ext>
+            </a:extLst>
+          </a:blip>
+          <a:stretch>
+            <a:fillRect/>
+          </a:stretch>
+        </p:blipFill>
+        <p:spPr>
+          <a:xfrm>
+            <a:off x="4114800" y="5783840"/>
+            <a:ext cx="228600" cy="275844"/>
+          </a:xfrm>
+          <a:prstGeom prst="rect">
+            <a:avLst/>
+          </a:prstGeom>
+        </p:spPr>
+      </p:pic>
+      <p:sp>
+        <p:nvSpPr>
+          <p:cNvPr id="74" name="Right Arrow 73"/>
+          <p:cNvSpPr/>
+          <p:nvPr/>
+        </p:nvSpPr>
+        <p:spPr>
+          <a:xfrm>
+            <a:off x="4495800" y="5791200"/>
+            <a:ext cx="457200" cy="304800"/>
+          </a:xfrm>
+          <a:prstGeom prst="rightArrow">
+            <a:avLst/>
+          </a:prstGeom>
+        </p:spPr>
+        <p:style>
+          <a:lnRef idx="1">
+            <a:schemeClr val="accent1"/>
+          </a:lnRef>
+          <a:fillRef idx="3">
+            <a:schemeClr val="accent1"/>
+          </a:fillRef>
+          <a:effectRef idx="2">
+            <a:schemeClr val="accent1"/>
+          </a:effectRef>
+          <a:fontRef idx="minor">
+            <a:schemeClr val="lt1"/>
+          </a:fontRef>
+        </p:style>
+        <p:txBody>
+          <a:bodyPr rtlCol="0" anchor="ctr"/>
+          <a:lstStyle/>
+          <a:p>
+            <a:pPr algn="ctr"/>
+            <a:endParaRPr lang="en-US"/>
+          </a:p>
+        </p:txBody>
+      </p:sp>
+      <p:sp>
+        <p:nvSpPr>
+          <p:cNvPr id="75" name="TextBox 74"/>
+          <p:cNvSpPr txBox="1"/>
+          <p:nvPr/>
+        </p:nvSpPr>
+        <p:spPr>
+          <a:xfrm>
+            <a:off x="8077200" y="2064603"/>
+            <a:ext cx="990600" cy="830997"/>
+          </a:xfrm>
+          <a:prstGeom prst="rect">
+            <a:avLst/>
+          </a:prstGeom>
+          <a:noFill/>
+        </p:spPr>
+        <p:txBody>
+          <a:bodyPr wrap="square" rtlCol="0">
+            <a:spAutoFit/>
+          </a:bodyPr>
+          <a:lstStyle/>
+          <a:p>
+            <a:r>
+              <a:rPr lang="en-US" sz="4800" dirty="0" smtClean="0"/>
+              <a:t>A</a:t>
+            </a:r>
+            <a:endParaRPr lang="en-US" sz="4800" dirty="0"/>
+          </a:p>
+        </p:txBody>
+      </p:sp>
+      <p:sp>
+        <p:nvSpPr>
+          <p:cNvPr id="76" name="TextBox 75"/>
+          <p:cNvSpPr txBox="1"/>
+          <p:nvPr/>
+        </p:nvSpPr>
+        <p:spPr>
+          <a:xfrm>
+            <a:off x="7772400" y="3733800"/>
+            <a:ext cx="990600" cy="830997"/>
+          </a:xfrm>
+          <a:prstGeom prst="rect">
+            <a:avLst/>
+          </a:prstGeom>
+          <a:noFill/>
+        </p:spPr>
+        <p:txBody>
+          <a:bodyPr wrap="square" rtlCol="0">
+            <a:spAutoFit/>
+          </a:bodyPr>
+          <a:lstStyle/>
+          <a:p>
+            <a:r>
+              <a:rPr lang="en-US" sz="4800" dirty="0" smtClean="0"/>
+              <a:t>A</a:t>
+            </a:r>
+            <a:endParaRPr lang="en-US" sz="4800" dirty="0"/>
+          </a:p>
+        </p:txBody>
+      </p:sp>
+      <p:sp>
+        <p:nvSpPr>
+          <p:cNvPr id="77" name="TextBox 76"/>
+          <p:cNvSpPr txBox="1"/>
+          <p:nvPr/>
+        </p:nvSpPr>
+        <p:spPr>
+          <a:xfrm>
+            <a:off x="7772400" y="5410200"/>
+            <a:ext cx="990600" cy="830997"/>
+          </a:xfrm>
+          <a:prstGeom prst="rect">
+            <a:avLst/>
+          </a:prstGeom>
+          <a:noFill/>
+        </p:spPr>
+        <p:txBody>
+          <a:bodyPr wrap="square" rtlCol="0">
+            <a:spAutoFit/>
+          </a:bodyPr>
+          <a:lstStyle/>
+          <a:p>
+            <a:r>
+              <a:rPr lang="en-US" sz="4800" dirty="0" smtClean="0"/>
+              <a:t>A</a:t>
+            </a:r>
+            <a:endParaRPr lang="en-US" sz="4800" dirty="0"/>
+          </a:p>
+        </p:txBody>
+      </p:sp>
+      <p:sp>
+        <p:nvSpPr>
+          <p:cNvPr id="78" name="TextBox 77"/>
+          <p:cNvSpPr txBox="1"/>
+          <p:nvPr/>
+        </p:nvSpPr>
+        <p:spPr>
+          <a:xfrm>
+            <a:off x="4038600" y="3962400"/>
+            <a:ext cx="457200" cy="461665"/>
+          </a:xfrm>
+          <a:prstGeom prst="rect">
+            <a:avLst/>
+          </a:prstGeom>
+          <a:noFill/>
+        </p:spPr>
+        <p:txBody>
+          <a:bodyPr wrap="square" rtlCol="0">
+            <a:spAutoFit/>
+          </a:bodyPr>
+          <a:lstStyle/>
+          <a:p>
+            <a:r>
+              <a:rPr lang="en-US" dirty="0" smtClean="0"/>
+              <a:t>?</a:t>
             </a:r>
             <a:endParaRPr lang="en-US" dirty="0"/>
           </a:p>
@@ -4946,10 +6818,16 @@
           <a:lstStyle/>
           <a:p>
             <a:r>
-              <a:rPr lang="en-US" dirty="0" smtClean="0"/>
+              <a:rPr lang="en-US" dirty="0" smtClean="0">
+                <a:latin typeface="Apple Symbols"/>
+                <a:cs typeface="Apple Symbols"/>
+              </a:rPr>
               <a:t>Pixel Values Only</a:t>
             </a:r>
-            <a:endParaRPr lang="en-US" dirty="0"/>
+            <a:endParaRPr lang="en-US" dirty="0">
+              <a:latin typeface="Apple Symbols"/>
+              <a:cs typeface="Apple Symbols"/>
+            </a:endParaRPr>
           </a:p>
         </p:txBody>
       </p:sp>
@@ -4962,7 +6840,7 @@
         <p:spPr>
           <a:xfrm>
             <a:off x="762000" y="1752600"/>
-            <a:ext cx="7467600" cy="3416320"/>
+            <a:ext cx="7924800" cy="3785652"/>
           </a:xfrm>
           <a:prstGeom prst="rect">
             <a:avLst/>
@@ -4987,13 +6865,20 @@
             <a:endParaRPr lang="en-US" dirty="0" smtClean="0"/>
           </a:p>
           <a:p>
+            <a:endParaRPr lang="en-US" dirty="0" smtClean="0"/>
+          </a:p>
+          <a:p>
             <a:r>
               <a:rPr lang="en-US" dirty="0" err="1" smtClean="0"/>
               <a:t>dTan</a:t>
             </a:r>
             <a:r>
               <a:rPr lang="en-US" dirty="0" smtClean="0"/>
-              <a:t> = </a:t>
+              <a:t> </a:t>
+            </a:r>
+            <a:r>
+              <a:rPr lang="en-US" dirty="0" smtClean="0"/>
+              <a:t>= </a:t>
             </a:r>
           </a:p>
           <a:p>
@@ -5015,13 +6900,37 @@
           <a:p>
             <a:r>
               <a:rPr lang="en-US" dirty="0" smtClean="0"/>
-              <a:t>Trained on 17,384 examples</a:t>
-            </a:r>
-          </a:p>
-          <a:p>
+              <a:t>Trained on </a:t>
+            </a:r>
+            <a:r>
+              <a:rPr lang="en-US" dirty="0"/>
+              <a:t>17,384 </a:t>
+            </a:r>
             <a:r>
               <a:rPr lang="en-US" dirty="0" smtClean="0"/>
-              <a:t>12% Correct </a:t>
+              <a:t>examples</a:t>
+            </a:r>
+            <a:r>
+              <a:rPr lang="en-US" dirty="0" smtClean="0"/>
+              <a:t>, 30 </a:t>
+            </a:r>
+            <a:r>
+              <a:rPr lang="en-US" dirty="0" err="1" smtClean="0"/>
+              <a:t>iters</a:t>
+            </a:r>
+            <a:r>
+              <a:rPr lang="en-US" dirty="0" smtClean="0"/>
+              <a:t>, 3 hidden</a:t>
+            </a:r>
+          </a:p>
+          <a:p>
+            <a:r>
+              <a:rPr lang="en-US" dirty="0" smtClean="0"/>
+              <a:t>12</a:t>
+            </a:r>
+            <a:r>
+              <a:rPr lang="en-US" dirty="0" smtClean="0"/>
+              <a:t>% Correct </a:t>
             </a:r>
           </a:p>
         </p:txBody>
@@ -5078,7 +6987,7 @@
         </p:blipFill>
         <p:spPr>
           <a:xfrm>
-            <a:off x="2209800" y="2514600"/>
+            <a:off x="2133600" y="2819400"/>
             <a:ext cx="2971800" cy="1193800"/>
           </a:xfrm>
           <a:prstGeom prst="rect">
@@ -5137,10 +7046,16 @@
           <a:lstStyle/>
           <a:p>
             <a:r>
-              <a:rPr lang="en-US" dirty="0" smtClean="0"/>
+              <a:rPr lang="en-US" dirty="0" smtClean="0">
+                <a:latin typeface="Apple Symbols"/>
+                <a:cs typeface="Apple Symbols"/>
+              </a:rPr>
               <a:t>Context Only</a:t>
             </a:r>
-            <a:endParaRPr lang="en-US" dirty="0"/>
+            <a:endParaRPr lang="en-US" dirty="0">
+              <a:latin typeface="Apple Symbols"/>
+              <a:cs typeface="Apple Symbols"/>
+            </a:endParaRPr>
           </a:p>
         </p:txBody>
       </p:sp>
@@ -5153,7 +7068,7 @@
         <p:spPr>
           <a:xfrm>
             <a:off x="762000" y="1752600"/>
-            <a:ext cx="7467600" cy="1200328"/>
+            <a:ext cx="8001000" cy="4431983"/>
           </a:xfrm>
           <a:prstGeom prst="rect">
             <a:avLst/>
@@ -5166,20 +7081,118 @@
           </a:bodyPr>
           <a:lstStyle/>
           <a:p>
+            <a:pPr marL="285750" indent="-285750">
+              <a:buFont typeface="Lucida Grande"/>
+              <a:buChar char="&gt;"/>
+            </a:pPr>
             <a:r>
               <a:rPr lang="en-US" dirty="0" smtClean="0"/>
-              <a:t>Input was previous and following 2 characters </a:t>
-            </a:r>
-          </a:p>
-          <a:p>
+              <a:t>Input </a:t>
+            </a:r>
+            <a:r>
+              <a:rPr lang="en-US" dirty="0" smtClean="0"/>
+              <a:t>is </a:t>
+            </a:r>
+            <a:r>
+              <a:rPr lang="en-US" dirty="0" smtClean="0"/>
+              <a:t>previous and following 2 </a:t>
+            </a:r>
+            <a:r>
+              <a:rPr lang="en-US" dirty="0" smtClean="0"/>
+              <a:t>characters of target character</a:t>
+            </a:r>
+          </a:p>
+          <a:p>
+            <a:pPr marL="285750" indent="-285750">
+              <a:buFont typeface="Lucida Grande"/>
+              <a:buChar char="&gt;"/>
+            </a:pPr>
+            <a:endParaRPr lang="en-US" dirty="0"/>
+          </a:p>
+          <a:p>
+            <a:pPr marL="285750" indent="-285750">
+              <a:buFont typeface="Lucida Grande"/>
+              <a:buChar char="&gt;"/>
+            </a:pPr>
+            <a:r>
+              <a:rPr lang="en-US" dirty="0" smtClean="0"/>
+              <a:t>Train on “clean” input [0,0,0…0,1,0…0,0,0] for context letter values</a:t>
+            </a:r>
+          </a:p>
+          <a:p>
+            <a:pPr marL="285750" indent="-285750">
+              <a:buFont typeface="Lucida Grande"/>
+              <a:buChar char="&gt;"/>
+            </a:pPr>
+            <a:endParaRPr lang="en-US" dirty="0"/>
+          </a:p>
+          <a:p>
+            <a:r>
+              <a:rPr lang="en-US" dirty="0"/>
+              <a:t>Pixel values average of pixel + pixel below</a:t>
+            </a:r>
+          </a:p>
+          <a:p>
+            <a:r>
+              <a:rPr lang="en-US" dirty="0"/>
+              <a:t>Trained on </a:t>
+            </a:r>
+            <a:r>
+              <a:rPr lang="en-US" dirty="0" smtClean="0"/>
+              <a:t>41,700 examples, 50 </a:t>
+            </a:r>
+            <a:r>
+              <a:rPr lang="en-US" dirty="0" err="1" smtClean="0"/>
+              <a:t>iters</a:t>
+            </a:r>
+            <a:r>
+              <a:rPr lang="en-US" dirty="0" smtClean="0"/>
+              <a:t>, 10 hidden nodes</a:t>
+            </a:r>
+          </a:p>
+          <a:p>
+            <a:r>
+              <a:rPr lang="en-US" dirty="0" smtClean="0"/>
+              <a:t>7% </a:t>
+            </a:r>
+            <a:r>
+              <a:rPr lang="en-US" dirty="0"/>
+              <a:t>Correct </a:t>
+            </a:r>
             <a:endParaRPr lang="en-US" dirty="0" smtClean="0"/>
           </a:p>
           <a:p>
+            <a:endParaRPr lang="en-US" dirty="0"/>
+          </a:p>
+          <a:p>
             <a:r>
               <a:rPr lang="en-US" dirty="0" smtClean="0"/>
-              <a:t>7% Correct  </a:t>
+              <a:t>With 50 </a:t>
+            </a:r>
+            <a:r>
+              <a:rPr lang="en-US" dirty="0" err="1" smtClean="0"/>
+              <a:t>iters</a:t>
+            </a:r>
+            <a:r>
+              <a:rPr lang="en-US" dirty="0"/>
+              <a:t> </a:t>
+            </a:r>
+            <a:r>
+              <a:rPr lang="en-US" dirty="0" smtClean="0"/>
+              <a:t>and 3 hidden nodes: 10</a:t>
+            </a:r>
+            <a:r>
+              <a:rPr lang="en-US" smtClean="0"/>
+              <a:t>% correct</a:t>
             </a:r>
             <a:endParaRPr lang="en-US" dirty="0"/>
+          </a:p>
+          <a:p>
+            <a:pPr marL="285750" indent="-285750">
+              <a:buFont typeface="Lucida Grande"/>
+              <a:buChar char="&gt;"/>
+            </a:pPr>
+            <a:endParaRPr lang="en-US" sz="1800" dirty="0" smtClean="0"/>
           </a:p>
         </p:txBody>
       </p:sp>
@@ -5234,10 +7247,16 @@
           <a:lstStyle/>
           <a:p>
             <a:r>
-              <a:rPr lang="en-US" dirty="0" smtClean="0"/>
+              <a:rPr lang="en-US" dirty="0" smtClean="0">
+                <a:latin typeface="Apple Symbols"/>
+                <a:cs typeface="Apple Symbols"/>
+              </a:rPr>
               <a:t>Combined</a:t>
             </a:r>
-            <a:endParaRPr lang="en-US" dirty="0"/>
+            <a:endParaRPr lang="en-US" dirty="0">
+              <a:latin typeface="Apple Symbols"/>
+              <a:cs typeface="Apple Symbols"/>
+            </a:endParaRPr>
           </a:p>
         </p:txBody>
       </p:sp>
@@ -5262,7 +7281,7 @@
         </p:blipFill>
         <p:spPr bwMode="auto">
           <a:xfrm>
-            <a:off x="762000" y="1524000"/>
+            <a:off x="914400" y="1600200"/>
             <a:ext cx="4102100" cy="2781300"/>
           </a:xfrm>
           <a:prstGeom prst="rect">
@@ -5274,6 +7293,57 @@
           </a:ln>
         </p:spPr>
       </p:pic>
+      <p:sp>
+        <p:nvSpPr>
+          <p:cNvPr id="2" name="TextBox 1"/>
+          <p:cNvSpPr txBox="1"/>
+          <p:nvPr/>
+        </p:nvSpPr>
+        <p:spPr>
+          <a:xfrm>
+            <a:off x="762000" y="4648200"/>
+            <a:ext cx="7696200" cy="1477328"/>
+          </a:xfrm>
+          <a:prstGeom prst="rect">
+            <a:avLst/>
+          </a:prstGeom>
+          <a:noFill/>
+        </p:spPr>
+        <p:txBody>
+          <a:bodyPr wrap="square" rtlCol="0">
+            <a:spAutoFit/>
+          </a:bodyPr>
+          <a:lstStyle/>
+          <a:p>
+            <a:pPr marL="342900" indent="-342900">
+              <a:buFont typeface="Lucida Grande"/>
+              <a:buChar char="&gt;"/>
+            </a:pPr>
+            <a:r>
+              <a:rPr lang="en-US" sz="1800" dirty="0" smtClean="0"/>
+              <a:t>Same methodology as context only, except using outputs from pixel value network for target character.</a:t>
+            </a:r>
+          </a:p>
+          <a:p>
+            <a:pPr marL="342900" indent="-342900">
+              <a:buFont typeface="Lucida Grande"/>
+              <a:buChar char="&gt;"/>
+            </a:pPr>
+            <a:endParaRPr lang="en-US" sz="1800" dirty="0"/>
+          </a:p>
+          <a:p>
+            <a:pPr marL="342900" indent="-342900">
+              <a:buFont typeface="Lucida Grande"/>
+              <a:buChar char="&gt;"/>
+            </a:pPr>
+            <a:r>
+              <a:rPr lang="en-US" sz="1800" dirty="0" smtClean="0"/>
+              <a:t>Will weigh in pixel values as well as context to determine character identity.</a:t>
+            </a:r>
+            <a:endParaRPr lang="en-US" sz="1800" dirty="0"/>
+          </a:p>
+        </p:txBody>
+      </p:sp>
     </p:spTree>
     <p:extLst>
       <p:ext uri="{BB962C8B-B14F-4D97-AF65-F5344CB8AC3E}">
@@ -5325,17 +7395,225 @@
           <a:lstStyle/>
           <a:p>
             <a:r>
-              <a:rPr lang="en-US" dirty="0" smtClean="0"/>
+              <a:rPr lang="en-US" dirty="0" smtClean="0">
+                <a:latin typeface="Apple Symbols"/>
+                <a:cs typeface="Apple Symbols"/>
+              </a:rPr>
               <a:t>Conclusions</a:t>
             </a:r>
-            <a:endParaRPr lang="en-US" dirty="0"/>
-          </a:p>
-        </p:txBody>
-      </p:sp>
+            <a:endParaRPr lang="en-US" dirty="0">
+              <a:latin typeface="Apple Symbols"/>
+              <a:cs typeface="Apple Symbols"/>
+            </a:endParaRPr>
+          </a:p>
+        </p:txBody>
+      </p:sp>
+      <p:pic>
+        <p:nvPicPr>
+          <p:cNvPr id="2" name="Picture 1" descr="j0315598.jpg"/>
+          <p:cNvPicPr>
+            <a:picLocks noChangeAspect="1"/>
+          </p:cNvPicPr>
+          <p:nvPr/>
+        </p:nvPicPr>
+        <p:blipFill>
+          <a:blip r:embed="rId2">
+            <a:extLst>
+              <a:ext uri="{28A0092B-C50C-407E-A947-70E740481C1C}">
+                <a14:useLocalDpi xmlns:a14="http://schemas.microsoft.com/office/drawing/2010/main" val="0"/>
+              </a:ext>
+            </a:extLst>
+          </a:blip>
+          <a:stretch>
+            <a:fillRect/>
+          </a:stretch>
+        </p:blipFill>
+        <p:spPr>
+          <a:xfrm>
+            <a:off x="1143000" y="1676400"/>
+            <a:ext cx="6858000" cy="4892040"/>
+          </a:xfrm>
+          <a:prstGeom prst="rect">
+            <a:avLst/>
+          </a:prstGeom>
+        </p:spPr>
+      </p:pic>
     </p:spTree>
     <p:extLst>
       <p:ext uri="{BB962C8B-B14F-4D97-AF65-F5344CB8AC3E}">
         <p14:creationId xmlns:p14="http://schemas.microsoft.com/office/powerpoint/2010/main" val="1090184330"/>
+      </p:ext>
+    </p:extLst>
+  </p:cSld>
+  <p:clrMapOvr>
+    <a:masterClrMapping/>
+  </p:clrMapOvr>
+</p:sld>
+</file>
+
+<file path=ppt/slides/slide9.xml><?xml version="1.0" encoding="utf-8"?>
+<p:sld xmlns:a="http://schemas.openxmlformats.org/drawingml/2006/main" xmlns:r="http://schemas.openxmlformats.org/officeDocument/2006/relationships" xmlns:p="http://schemas.openxmlformats.org/presentationml/2006/main">
+  <p:cSld>
+    <p:spTree>
+      <p:nvGrpSpPr>
+        <p:cNvPr id="1" name=""/>
+        <p:cNvGrpSpPr/>
+        <p:nvPr/>
+      </p:nvGrpSpPr>
+      <p:grpSpPr>
+        <a:xfrm>
+          <a:off x="0" y="0"/>
+          <a:ext cx="0" cy="0"/>
+          <a:chOff x="0" y="0"/>
+          <a:chExt cx="0" cy="0"/>
+        </a:xfrm>
+      </p:grpSpPr>
+      <p:sp>
+        <p:nvSpPr>
+          <p:cNvPr id="3" name="Title 2"/>
+          <p:cNvSpPr>
+            <a:spLocks noGrp="1"/>
+          </p:cNvSpPr>
+          <p:nvPr>
+            <p:ph type="title"/>
+          </p:nvPr>
+        </p:nvSpPr>
+        <p:spPr>
+          <a:xfrm>
+            <a:off x="685800" y="457200"/>
+            <a:ext cx="7543800" cy="914400"/>
+          </a:xfrm>
+        </p:spPr>
+        <p:txBody>
+          <a:bodyPr/>
+          <a:lstStyle/>
+          <a:p>
+            <a:r>
+              <a:rPr lang="en-US" dirty="0" smtClean="0">
+                <a:latin typeface="Apple Symbols"/>
+                <a:cs typeface="Apple Symbols"/>
+              </a:rPr>
+              <a:t>Sources</a:t>
+            </a:r>
+            <a:endParaRPr lang="en-US" dirty="0">
+              <a:latin typeface="Apple Symbols"/>
+              <a:cs typeface="Apple Symbols"/>
+            </a:endParaRPr>
+          </a:p>
+        </p:txBody>
+      </p:sp>
+      <p:sp>
+        <p:nvSpPr>
+          <p:cNvPr id="6" name="TextBox 5"/>
+          <p:cNvSpPr txBox="1"/>
+          <p:nvPr/>
+        </p:nvSpPr>
+        <p:spPr>
+          <a:xfrm>
+            <a:off x="762000" y="1752600"/>
+            <a:ext cx="7467600" cy="1477328"/>
+          </a:xfrm>
+          <a:prstGeom prst="rect">
+            <a:avLst/>
+          </a:prstGeom>
+          <a:noFill/>
+        </p:spPr>
+        <p:txBody>
+          <a:bodyPr wrap="square" rtlCol="0">
+            <a:spAutoFit/>
+          </a:bodyPr>
+          <a:lstStyle/>
+          <a:p>
+            <a:pPr marL="285750" indent="-285750">
+              <a:buFont typeface="Lucida Grande"/>
+              <a:buChar char="&gt;"/>
+            </a:pPr>
+            <a:r>
+              <a:rPr lang="en-US" sz="1800" dirty="0" smtClean="0"/>
+              <a:t>Pittman</a:t>
+            </a:r>
+            <a:r>
+              <a:rPr lang="en-US" sz="1800" dirty="0"/>
+              <a:t>, James A. "Recognizing Handwritten Text." </a:t>
+            </a:r>
+            <a:r>
+              <a:rPr lang="en-US" sz="1800" i="1" dirty="0"/>
+              <a:t>Proceedings of </a:t>
+            </a:r>
+            <a:r>
+              <a:rPr lang="en-US" sz="1800" i="1" dirty="0" smtClean="0"/>
+              <a:t>	the </a:t>
+            </a:r>
+            <a:r>
+              <a:rPr lang="en-US" sz="1800" i="1" dirty="0"/>
+              <a:t>SIGCHI Conference on Human Factors in Computing </a:t>
+            </a:r>
+            <a:r>
+              <a:rPr lang="en-US" sz="1800" i="1" dirty="0" smtClean="0"/>
+              <a:t>	Systems </a:t>
+            </a:r>
+            <a:r>
+              <a:rPr lang="en-US" sz="1800" i="1" dirty="0"/>
+              <a:t>Reaching through Technology - CHI '91</a:t>
+            </a:r>
+            <a:r>
+              <a:rPr lang="en-US" sz="1800" dirty="0"/>
+              <a:t> (1991): n. </a:t>
+            </a:r>
+            <a:r>
+              <a:rPr lang="en-US" sz="1800" dirty="0" smtClean="0"/>
+              <a:t>	</a:t>
+            </a:r>
+            <a:r>
+              <a:rPr lang="en-US" sz="1800" dirty="0" err="1" smtClean="0"/>
+              <a:t>pag</a:t>
+            </a:r>
+            <a:r>
+              <a:rPr lang="en-US" sz="1800" dirty="0"/>
+              <a:t>. Web</a:t>
+            </a:r>
+            <a:r>
+              <a:rPr lang="en-US" sz="1800" dirty="0" smtClean="0"/>
+              <a:t>.</a:t>
+            </a:r>
+          </a:p>
+          <a:p>
+            <a:pPr marL="285750" indent="-285750">
+              <a:buFont typeface="Lucida Grande"/>
+              <a:buChar char="&gt;"/>
+            </a:pPr>
+            <a:r>
+              <a:rPr lang="en-US" sz="1800" dirty="0" err="1"/>
+              <a:t>Taskar</a:t>
+            </a:r>
+            <a:r>
+              <a:rPr lang="en-US" sz="1800" dirty="0"/>
+              <a:t>, Ben, and Rob Kassel. OCR Dataset. </a:t>
+            </a:r>
+            <a:r>
+              <a:rPr lang="en-US" sz="1800" dirty="0" err="1"/>
+              <a:t>N.d.</a:t>
+            </a:r>
+            <a:r>
+              <a:rPr lang="en-US" sz="1800" dirty="0"/>
+              <a:t> Raw data. </a:t>
+            </a:r>
+            <a:r>
+              <a:rPr lang="en-US" sz="1800" dirty="0" err="1"/>
+              <a:t>N.p</a:t>
+            </a:r>
+            <a:r>
+              <a:rPr lang="en-US" sz="1800" dirty="0"/>
+              <a:t>. </a:t>
+            </a:r>
+            <a:endParaRPr lang="en-US" sz="1800" dirty="0" smtClean="0"/>
+          </a:p>
+        </p:txBody>
+      </p:sp>
+    </p:spTree>
+    <p:extLst>
+      <p:ext uri="{BB962C8B-B14F-4D97-AF65-F5344CB8AC3E}">
+        <p14:creationId xmlns:p14="http://schemas.microsoft.com/office/powerpoint/2010/main" val="3405180886"/>
       </p:ext>
     </p:extLst>
   </p:cSld>
